--- a/Meetings/2017.09.06-LabRetreat.pptx
+++ b/Meetings/2017.09.06-LabRetreat.pptx
@@ -5,30 +5,38 @@
     <p:sldMasterId id="2147483660" r:id="rId1"/>
   </p:sldMasterIdLst>
   <p:notesMasterIdLst>
-    <p:notesMasterId r:id="rId23"/>
+    <p:notesMasterId r:id="rId31"/>
   </p:notesMasterIdLst>
   <p:sldIdLst>
     <p:sldId id="256" r:id="rId2"/>
-    <p:sldId id="279" r:id="rId3"/>
-    <p:sldId id="272" r:id="rId4"/>
-    <p:sldId id="275" r:id="rId5"/>
-    <p:sldId id="276" r:id="rId6"/>
-    <p:sldId id="277" r:id="rId7"/>
-    <p:sldId id="261" r:id="rId8"/>
-    <p:sldId id="262" r:id="rId9"/>
-    <p:sldId id="265" r:id="rId10"/>
-    <p:sldId id="264" r:id="rId11"/>
-    <p:sldId id="257" r:id="rId12"/>
-    <p:sldId id="266" r:id="rId13"/>
-    <p:sldId id="267" r:id="rId14"/>
-    <p:sldId id="292" r:id="rId15"/>
-    <p:sldId id="293" r:id="rId16"/>
-    <p:sldId id="294" r:id="rId17"/>
-    <p:sldId id="258" r:id="rId18"/>
-    <p:sldId id="295" r:id="rId19"/>
-    <p:sldId id="296" r:id="rId20"/>
-    <p:sldId id="268" r:id="rId21"/>
-    <p:sldId id="278" r:id="rId22"/>
+    <p:sldId id="297" r:id="rId3"/>
+    <p:sldId id="279" r:id="rId4"/>
+    <p:sldId id="272" r:id="rId5"/>
+    <p:sldId id="275" r:id="rId6"/>
+    <p:sldId id="276" r:id="rId7"/>
+    <p:sldId id="277" r:id="rId8"/>
+    <p:sldId id="261" r:id="rId9"/>
+    <p:sldId id="262" r:id="rId10"/>
+    <p:sldId id="265" r:id="rId11"/>
+    <p:sldId id="264" r:id="rId12"/>
+    <p:sldId id="257" r:id="rId13"/>
+    <p:sldId id="266" r:id="rId14"/>
+    <p:sldId id="267" r:id="rId15"/>
+    <p:sldId id="292" r:id="rId16"/>
+    <p:sldId id="293" r:id="rId17"/>
+    <p:sldId id="294" r:id="rId18"/>
+    <p:sldId id="258" r:id="rId19"/>
+    <p:sldId id="295" r:id="rId20"/>
+    <p:sldId id="296" r:id="rId21"/>
+    <p:sldId id="298" r:id="rId22"/>
+    <p:sldId id="299" r:id="rId23"/>
+    <p:sldId id="300" r:id="rId24"/>
+    <p:sldId id="301" r:id="rId25"/>
+    <p:sldId id="302" r:id="rId26"/>
+    <p:sldId id="303" r:id="rId27"/>
+    <p:sldId id="304" r:id="rId28"/>
+    <p:sldId id="268" r:id="rId29"/>
+    <p:sldId id="278" r:id="rId30"/>
   </p:sldIdLst>
   <p:sldSz cx="9144000" cy="6858000" type="screen4x3"/>
   <p:notesSz cx="6858000" cy="9144000"/>
@@ -228,7 +236,7 @@
           <a:p>
             <a:fld id="{BE054C78-2090-C64C-9F6A-B51B239D54AE}" type="datetimeFigureOut">
               <a:rPr lang="en-US" smtClean="0"/>
-              <a:t>8/31/17</a:t>
+              <a:t>9/5/17</a:t>
             </a:fld>
             <a:endParaRPr lang="en-US"/>
           </a:p>
@@ -580,7 +588,7 @@
           <a:p>
             <a:fld id="{BA0C90E3-8C05-AF43-8579-8D2D04A296B0}" type="slidenum">
               <a:rPr lang="en-US" smtClean="0"/>
-              <a:t>3</a:t>
+              <a:t>4</a:t>
             </a:fld>
             <a:endParaRPr lang="en-US"/>
           </a:p>
@@ -691,7 +699,7 @@
           <a:p>
             <a:fld id="{BA0C90E3-8C05-AF43-8579-8D2D04A296B0}" type="slidenum">
               <a:rPr lang="en-US" smtClean="0"/>
-              <a:t>4</a:t>
+              <a:t>5</a:t>
             </a:fld>
             <a:endParaRPr lang="en-US"/>
           </a:p>
@@ -836,7 +844,7 @@
           <a:p>
             <a:fld id="{BA0C90E3-8C05-AF43-8579-8D2D04A296B0}" type="slidenum">
               <a:rPr lang="en-US" smtClean="0"/>
-              <a:t>5</a:t>
+              <a:t>6</a:t>
             </a:fld>
             <a:endParaRPr lang="en-US"/>
           </a:p>
@@ -966,7 +974,7 @@
           <a:p>
             <a:fld id="{BA0C90E3-8C05-AF43-8579-8D2D04A296B0}" type="slidenum">
               <a:rPr lang="en-US" smtClean="0"/>
-              <a:t>6</a:t>
+              <a:t>7</a:t>
             </a:fld>
             <a:endParaRPr lang="en-US"/>
           </a:p>
@@ -1069,7 +1077,7 @@
           <a:p>
             <a:fld id="{BA0C90E3-8C05-AF43-8579-8D2D04A296B0}" type="slidenum">
               <a:rPr lang="en-US" smtClean="0"/>
-              <a:t>7</a:t>
+              <a:t>8</a:t>
             </a:fld>
             <a:endParaRPr lang="en-US"/>
           </a:p>
@@ -1168,7 +1176,7 @@
           <a:p>
             <a:fld id="{BA0C90E3-8C05-AF43-8579-8D2D04A296B0}" type="slidenum">
               <a:rPr lang="en-US" smtClean="0"/>
-              <a:t>17</a:t>
+              <a:t>18</a:t>
             </a:fld>
             <a:endParaRPr lang="en-US"/>
           </a:p>
@@ -1318,7 +1326,7 @@
           <a:p>
             <a:fld id="{6C076DC0-26B1-5841-8BF7-BB7DFB8B1BE2}" type="datetimeFigureOut">
               <a:rPr lang="en-US" smtClean="0"/>
-              <a:t>8/31/17</a:t>
+              <a:t>9/5/17</a:t>
             </a:fld>
             <a:endParaRPr lang="en-US"/>
           </a:p>
@@ -1483,7 +1491,7 @@
           <a:p>
             <a:fld id="{6C076DC0-26B1-5841-8BF7-BB7DFB8B1BE2}" type="datetimeFigureOut">
               <a:rPr lang="en-US" smtClean="0"/>
-              <a:t>8/31/17</a:t>
+              <a:t>9/5/17</a:t>
             </a:fld>
             <a:endParaRPr lang="en-US"/>
           </a:p>
@@ -1658,7 +1666,7 @@
           <a:p>
             <a:fld id="{6C076DC0-26B1-5841-8BF7-BB7DFB8B1BE2}" type="datetimeFigureOut">
               <a:rPr lang="en-US" smtClean="0"/>
-              <a:t>8/31/17</a:t>
+              <a:t>9/5/17</a:t>
             </a:fld>
             <a:endParaRPr lang="en-US"/>
           </a:p>
@@ -1823,7 +1831,7 @@
           <a:p>
             <a:fld id="{6C076DC0-26B1-5841-8BF7-BB7DFB8B1BE2}" type="datetimeFigureOut">
               <a:rPr lang="en-US" smtClean="0"/>
-              <a:t>8/31/17</a:t>
+              <a:t>9/5/17</a:t>
             </a:fld>
             <a:endParaRPr lang="en-US"/>
           </a:p>
@@ -2062,7 +2070,7 @@
           <a:p>
             <a:fld id="{6C076DC0-26B1-5841-8BF7-BB7DFB8B1BE2}" type="datetimeFigureOut">
               <a:rPr lang="en-US" smtClean="0"/>
-              <a:t>8/31/17</a:t>
+              <a:t>9/5/17</a:t>
             </a:fld>
             <a:endParaRPr lang="en-US"/>
           </a:p>
@@ -2289,7 +2297,7 @@
           <a:p>
             <a:fld id="{6C076DC0-26B1-5841-8BF7-BB7DFB8B1BE2}" type="datetimeFigureOut">
               <a:rPr lang="en-US" smtClean="0"/>
-              <a:t>8/31/17</a:t>
+              <a:t>9/5/17</a:t>
             </a:fld>
             <a:endParaRPr lang="en-US"/>
           </a:p>
@@ -2651,7 +2659,7 @@
           <a:p>
             <a:fld id="{6C076DC0-26B1-5841-8BF7-BB7DFB8B1BE2}" type="datetimeFigureOut">
               <a:rPr lang="en-US" smtClean="0"/>
-              <a:t>8/31/17</a:t>
+              <a:t>9/5/17</a:t>
             </a:fld>
             <a:endParaRPr lang="en-US"/>
           </a:p>
@@ -2764,7 +2772,7 @@
           <a:p>
             <a:fld id="{6C076DC0-26B1-5841-8BF7-BB7DFB8B1BE2}" type="datetimeFigureOut">
               <a:rPr lang="en-US" smtClean="0"/>
-              <a:t>8/31/17</a:t>
+              <a:t>9/5/17</a:t>
             </a:fld>
             <a:endParaRPr lang="en-US"/>
           </a:p>
@@ -2854,7 +2862,7 @@
           <a:p>
             <a:fld id="{6C076DC0-26B1-5841-8BF7-BB7DFB8B1BE2}" type="datetimeFigureOut">
               <a:rPr lang="en-US" smtClean="0"/>
-              <a:t>8/31/17</a:t>
+              <a:t>9/5/17</a:t>
             </a:fld>
             <a:endParaRPr lang="en-US"/>
           </a:p>
@@ -3126,7 +3134,7 @@
           <a:p>
             <a:fld id="{6C076DC0-26B1-5841-8BF7-BB7DFB8B1BE2}" type="datetimeFigureOut">
               <a:rPr lang="en-US" smtClean="0"/>
-              <a:t>8/31/17</a:t>
+              <a:t>9/5/17</a:t>
             </a:fld>
             <a:endParaRPr lang="en-US"/>
           </a:p>
@@ -3378,7 +3386,7 @@
           <a:p>
             <a:fld id="{6C076DC0-26B1-5841-8BF7-BB7DFB8B1BE2}" type="datetimeFigureOut">
               <a:rPr lang="en-US" smtClean="0"/>
-              <a:t>8/31/17</a:t>
+              <a:t>9/5/17</a:t>
             </a:fld>
             <a:endParaRPr lang="en-US"/>
           </a:p>
@@ -3586,7 +3594,7 @@
           <a:p>
             <a:fld id="{6C076DC0-26B1-5841-8BF7-BB7DFB8B1BE2}" type="datetimeFigureOut">
               <a:rPr lang="en-US" smtClean="0"/>
-              <a:t>8/31/17</a:t>
+              <a:t>9/5/17</a:t>
             </a:fld>
             <a:endParaRPr lang="en-US"/>
           </a:p>
@@ -4031,11 +4039,7 @@
           <a:p>
             <a:r>
               <a:rPr lang="en-US" dirty="0" smtClean="0"/>
-              <a:t>Avital </a:t>
-            </a:r>
-            <a:r>
-              <a:rPr lang="en-US" dirty="0" smtClean="0"/>
-              <a:t>Sternin</a:t>
+              <a:t>Avital Sternin</a:t>
             </a:r>
           </a:p>
           <a:p>
@@ -4101,7 +4105,7 @@
           <a:p>
             <a:r>
               <a:rPr lang="en-US" dirty="0" smtClean="0"/>
-              <a:t>Stimuli</a:t>
+              <a:t>Project Outline</a:t>
             </a:r>
             <a:endParaRPr lang="en-US" dirty="0"/>
           </a:p>
@@ -4119,52 +4123,42 @@
         </p:nvSpPr>
         <p:spPr/>
         <p:txBody>
-          <a:bodyPr/>
-          <a:lstStyle/>
-          <a:p>
-            <a:r>
-              <a:rPr lang="en-US" dirty="0" smtClean="0"/>
-              <a:t>16 unfamiliar songs</a:t>
-            </a:r>
-          </a:p>
-          <a:p>
-            <a:pPr lvl="1"/>
-            <a:r>
-              <a:rPr lang="en-US" dirty="0" smtClean="0"/>
-              <a:t>4 spoken words</a:t>
-            </a:r>
-          </a:p>
-          <a:p>
-            <a:pPr lvl="1"/>
-            <a:r>
-              <a:rPr lang="en-US" dirty="0" smtClean="0"/>
-              <a:t>4 sung lyrics (acapella, no music)</a:t>
-            </a:r>
-          </a:p>
-          <a:p>
-            <a:pPr lvl="1"/>
-            <a:r>
-              <a:rPr lang="en-US" dirty="0" smtClean="0"/>
-              <a:t>4 instrumental music only</a:t>
-            </a:r>
-          </a:p>
-          <a:p>
-            <a:pPr lvl="1"/>
-            <a:r>
-              <a:rPr lang="en-US" dirty="0" smtClean="0"/>
-              <a:t>4 ‘whole’ songs (music + lyrics)</a:t>
-            </a:r>
-          </a:p>
-          <a:p>
-            <a:pPr lvl="1"/>
-            <a:endParaRPr lang="en-US" dirty="0"/>
+          <a:bodyPr>
+            <a:normAutofit/>
+          </a:bodyPr>
+          <a:lstStyle/>
+          <a:p>
+            <a:r>
+              <a:rPr lang="en-US" dirty="0" smtClean="0"/>
+              <a:t>Scanning session 1</a:t>
+            </a:r>
+          </a:p>
+          <a:p>
+            <a:r>
+              <a:rPr lang="en-US" dirty="0" smtClean="0"/>
+              <a:t>Training </a:t>
+            </a:r>
+            <a:r>
+              <a:rPr lang="mr-IN" dirty="0" smtClean="0"/>
+              <a:t>–</a:t>
+            </a:r>
+            <a:r>
+              <a:rPr lang="en-US" dirty="0" smtClean="0"/>
+              <a:t> 2-3 weeks</a:t>
+            </a:r>
+          </a:p>
+          <a:p>
+            <a:r>
+              <a:rPr lang="en-US" dirty="0" smtClean="0"/>
+              <a:t>Scanning session 2</a:t>
+            </a:r>
           </a:p>
         </p:txBody>
       </p:sp>
     </p:spTree>
     <p:extLst>
       <p:ext uri="{BB962C8B-B14F-4D97-AF65-F5344CB8AC3E}">
-        <p14:creationId xmlns:p14="http://schemas.microsoft.com/office/powerpoint/2010/main" val="627880841"/>
+        <p14:creationId xmlns:p14="http://schemas.microsoft.com/office/powerpoint/2010/main" val="326341415"/>
       </p:ext>
     </p:extLst>
   </p:cSld>
@@ -4223,7 +4217,7 @@
           <a:p>
             <a:r>
               <a:rPr lang="en-US" dirty="0" smtClean="0"/>
-              <a:t>Project Outline</a:t>
+              <a:t>Stimuli</a:t>
             </a:r>
             <a:endParaRPr lang="en-US" dirty="0"/>
           </a:p>
@@ -4241,105 +4235,52 @@
         </p:nvSpPr>
         <p:spPr/>
         <p:txBody>
-          <a:bodyPr>
-            <a:normAutofit/>
-          </a:bodyPr>
-          <a:lstStyle/>
-          <a:p>
-            <a:r>
-              <a:rPr lang="en-US" dirty="0" smtClean="0"/>
-              <a:t>Scanning session 1 </a:t>
-            </a:r>
-            <a:r>
-              <a:rPr lang="mr-IN" dirty="0" smtClean="0"/>
-              <a:t>–</a:t>
-            </a:r>
-            <a:r>
-              <a:rPr lang="en-US" dirty="0" smtClean="0"/>
-              <a:t> all 16 stim</a:t>
+          <a:bodyPr/>
+          <a:lstStyle/>
+          <a:p>
+            <a:r>
+              <a:rPr lang="en-US" dirty="0" smtClean="0"/>
+              <a:t>16 unfamiliar songs</a:t>
             </a:r>
           </a:p>
           <a:p>
             <a:pPr lvl="1"/>
             <a:r>
               <a:rPr lang="en-US" dirty="0" smtClean="0"/>
-              <a:t>Baseline familiarity test</a:t>
+              <a:t>4 spoken words</a:t>
             </a:r>
           </a:p>
           <a:p>
             <a:pPr lvl="1"/>
             <a:r>
               <a:rPr lang="en-US" dirty="0" smtClean="0"/>
-              <a:t>ISS and BOLD scans</a:t>
-            </a:r>
-          </a:p>
-          <a:p>
-            <a:r>
-              <a:rPr lang="en-US" dirty="0" smtClean="0">
-                <a:solidFill>
-                  <a:schemeClr val="bg2">
-                    <a:lumMod val="75000"/>
-                  </a:schemeClr>
-                </a:solidFill>
-              </a:rPr>
-              <a:t>Training </a:t>
-            </a:r>
-            <a:r>
-              <a:rPr lang="mr-IN" dirty="0" smtClean="0">
-                <a:solidFill>
-                  <a:schemeClr val="bg2">
-                    <a:lumMod val="75000"/>
-                  </a:schemeClr>
-                </a:solidFill>
-              </a:rPr>
-              <a:t>–</a:t>
-            </a:r>
-            <a:r>
-              <a:rPr lang="en-US" dirty="0" smtClean="0">
-                <a:solidFill>
-                  <a:schemeClr val="bg2">
-                    <a:lumMod val="75000"/>
-                  </a:schemeClr>
-                </a:solidFill>
-              </a:rPr>
-              <a:t> 2-3 weeks </a:t>
-            </a:r>
-          </a:p>
-          <a:p>
-            <a:r>
-              <a:rPr lang="en-US" dirty="0" smtClean="0">
-                <a:solidFill>
-                  <a:schemeClr val="bg2">
-                    <a:lumMod val="75000"/>
-                  </a:schemeClr>
-                </a:solidFill>
-              </a:rPr>
-              <a:t>Scanning session </a:t>
-            </a:r>
-            <a:r>
-              <a:rPr lang="en-CA" dirty="0" smtClean="0">
-                <a:solidFill>
-                  <a:schemeClr val="bg2">
-                    <a:lumMod val="75000"/>
-                  </a:schemeClr>
-                </a:solidFill>
-              </a:rPr>
-              <a:t>2</a:t>
-            </a:r>
-            <a:endParaRPr lang="en-US" dirty="0">
-              <a:solidFill>
-                <a:schemeClr val="bg2">
-                  <a:lumMod val="75000"/>
-                </a:schemeClr>
-              </a:solidFill>
-            </a:endParaRPr>
+              <a:t>4 sung lyrics (acapella, no music)</a:t>
+            </a:r>
+          </a:p>
+          <a:p>
+            <a:pPr lvl="1"/>
+            <a:r>
+              <a:rPr lang="en-US" dirty="0" smtClean="0"/>
+              <a:t>4 instrumental music only</a:t>
+            </a:r>
+          </a:p>
+          <a:p>
+            <a:pPr lvl="1"/>
+            <a:r>
+              <a:rPr lang="en-US" dirty="0" smtClean="0"/>
+              <a:t>4 ‘whole’ songs (music + lyrics)</a:t>
+            </a:r>
+          </a:p>
+          <a:p>
+            <a:pPr lvl="1"/>
+            <a:endParaRPr lang="en-US" dirty="0"/>
           </a:p>
         </p:txBody>
       </p:sp>
     </p:spTree>
     <p:extLst>
       <p:ext uri="{BB962C8B-B14F-4D97-AF65-F5344CB8AC3E}">
-        <p14:creationId xmlns:p14="http://schemas.microsoft.com/office/powerpoint/2010/main" val="1516842226"/>
+        <p14:creationId xmlns:p14="http://schemas.microsoft.com/office/powerpoint/2010/main" val="627880841"/>
       </p:ext>
     </p:extLst>
   </p:cSld>
@@ -4450,6 +4391,181 @@
           </a:p>
           <a:p>
             <a:r>
+              <a:rPr lang="en-US" dirty="0" smtClean="0">
+                <a:solidFill>
+                  <a:schemeClr val="bg2">
+                    <a:lumMod val="75000"/>
+                  </a:schemeClr>
+                </a:solidFill>
+              </a:rPr>
+              <a:t>Training </a:t>
+            </a:r>
+            <a:r>
+              <a:rPr lang="mr-IN" dirty="0" smtClean="0">
+                <a:solidFill>
+                  <a:schemeClr val="bg2">
+                    <a:lumMod val="75000"/>
+                  </a:schemeClr>
+                </a:solidFill>
+              </a:rPr>
+              <a:t>–</a:t>
+            </a:r>
+            <a:r>
+              <a:rPr lang="en-US" dirty="0" smtClean="0">
+                <a:solidFill>
+                  <a:schemeClr val="bg2">
+                    <a:lumMod val="75000"/>
+                  </a:schemeClr>
+                </a:solidFill>
+              </a:rPr>
+              <a:t> 2-3 weeks </a:t>
+            </a:r>
+          </a:p>
+          <a:p>
+            <a:r>
+              <a:rPr lang="en-US" dirty="0" smtClean="0">
+                <a:solidFill>
+                  <a:schemeClr val="bg2">
+                    <a:lumMod val="75000"/>
+                  </a:schemeClr>
+                </a:solidFill>
+              </a:rPr>
+              <a:t>Scanning session </a:t>
+            </a:r>
+            <a:r>
+              <a:rPr lang="en-CA" dirty="0" smtClean="0">
+                <a:solidFill>
+                  <a:schemeClr val="bg2">
+                    <a:lumMod val="75000"/>
+                  </a:schemeClr>
+                </a:solidFill>
+              </a:rPr>
+              <a:t>2</a:t>
+            </a:r>
+            <a:endParaRPr lang="en-US" dirty="0">
+              <a:solidFill>
+                <a:schemeClr val="bg2">
+                  <a:lumMod val="75000"/>
+                </a:schemeClr>
+              </a:solidFill>
+            </a:endParaRPr>
+          </a:p>
+        </p:txBody>
+      </p:sp>
+    </p:spTree>
+    <p:extLst>
+      <p:ext uri="{BB962C8B-B14F-4D97-AF65-F5344CB8AC3E}">
+        <p14:creationId xmlns:p14="http://schemas.microsoft.com/office/powerpoint/2010/main" val="1516842226"/>
+      </p:ext>
+    </p:extLst>
+  </p:cSld>
+  <p:clrMapOvr>
+    <a:masterClrMapping/>
+  </p:clrMapOvr>
+  <mc:AlternateContent xmlns:mc="http://schemas.openxmlformats.org/markup-compatibility/2006">
+    <mc:Choice xmlns:p14="http://schemas.microsoft.com/office/powerpoint/2010/main" Requires="p14">
+      <p:transition spd="slow" p14:dur="2000"/>
+    </mc:Choice>
+    <mc:Fallback>
+      <p:transition spd="slow"/>
+    </mc:Fallback>
+  </mc:AlternateContent>
+  <p:timing>
+    <p:tnLst>
+      <p:par>
+        <p:cTn id="1" dur="indefinite" restart="never" nodeType="tmRoot"/>
+      </p:par>
+    </p:tnLst>
+  </p:timing>
+</p:sld>
+</file>
+
+<file path=ppt/slides/slide13.xml><?xml version="1.0" encoding="utf-8"?>
+<p:sld xmlns:a="http://schemas.openxmlformats.org/drawingml/2006/main" xmlns:r="http://schemas.openxmlformats.org/officeDocument/2006/relationships" xmlns:p="http://schemas.openxmlformats.org/presentationml/2006/main" show="0">
+  <p:cSld>
+    <p:spTree>
+      <p:nvGrpSpPr>
+        <p:cNvPr id="1" name=""/>
+        <p:cNvGrpSpPr/>
+        <p:nvPr/>
+      </p:nvGrpSpPr>
+      <p:grpSpPr>
+        <a:xfrm>
+          <a:off x="0" y="0"/>
+          <a:ext cx="0" cy="0"/>
+          <a:chOff x="0" y="0"/>
+          <a:chExt cx="0" cy="0"/>
+        </a:xfrm>
+      </p:grpSpPr>
+      <p:sp>
+        <p:nvSpPr>
+          <p:cNvPr id="2" name="Title 1"/>
+          <p:cNvSpPr>
+            <a:spLocks noGrp="1"/>
+          </p:cNvSpPr>
+          <p:nvPr>
+            <p:ph type="title"/>
+          </p:nvPr>
+        </p:nvSpPr>
+        <p:spPr/>
+        <p:txBody>
+          <a:bodyPr/>
+          <a:lstStyle/>
+          <a:p>
+            <a:r>
+              <a:rPr lang="en-US" dirty="0" smtClean="0"/>
+              <a:t>Project Outline</a:t>
+            </a:r>
+            <a:endParaRPr lang="en-US" dirty="0"/>
+          </a:p>
+        </p:txBody>
+      </p:sp>
+      <p:sp>
+        <p:nvSpPr>
+          <p:cNvPr id="3" name="Content Placeholder 2"/>
+          <p:cNvSpPr>
+            <a:spLocks noGrp="1"/>
+          </p:cNvSpPr>
+          <p:nvPr>
+            <p:ph idx="1"/>
+          </p:nvPr>
+        </p:nvSpPr>
+        <p:spPr/>
+        <p:txBody>
+          <a:bodyPr>
+            <a:normAutofit/>
+          </a:bodyPr>
+          <a:lstStyle/>
+          <a:p>
+            <a:r>
+              <a:rPr lang="en-US" dirty="0" smtClean="0"/>
+              <a:t>Scanning session 1 </a:t>
+            </a:r>
+            <a:r>
+              <a:rPr lang="mr-IN" dirty="0" smtClean="0"/>
+              <a:t>–</a:t>
+            </a:r>
+            <a:r>
+              <a:rPr lang="en-US" dirty="0" smtClean="0"/>
+              <a:t> all 16 stim</a:t>
+            </a:r>
+          </a:p>
+          <a:p>
+            <a:pPr lvl="1"/>
+            <a:r>
+              <a:rPr lang="en-US" dirty="0" smtClean="0"/>
+              <a:t>Baseline familiarity test</a:t>
+            </a:r>
+          </a:p>
+          <a:p>
+            <a:pPr lvl="1"/>
+            <a:r>
+              <a:rPr lang="en-US" dirty="0" smtClean="0"/>
+              <a:t>ISS and BOLD scans</a:t>
+            </a:r>
+          </a:p>
+          <a:p>
+            <a:r>
               <a:rPr lang="en-US" dirty="0" smtClean="0"/>
               <a:t>Training </a:t>
             </a:r>
@@ -4533,7 +4649,7 @@
 </p:sld>
 </file>
 
-<file path=ppt/slides/slide13.xml><?xml version="1.0" encoding="utf-8"?>
+<file path=ppt/slides/slide14.xml><?xml version="1.0" encoding="utf-8"?>
 <p:sld xmlns:a="http://schemas.openxmlformats.org/drawingml/2006/main" xmlns:r="http://schemas.openxmlformats.org/officeDocument/2006/relationships" xmlns:p="http://schemas.openxmlformats.org/presentationml/2006/main">
   <p:cSld>
     <p:spTree>
@@ -4616,7 +4732,6 @@
               <a:rPr lang="en-US" dirty="0" smtClean="0"/>
               <a:t>Scan 1</a:t>
             </a:r>
-            <a:endParaRPr lang="en-US" dirty="0" smtClean="0"/>
           </a:p>
           <a:p>
             <a:r>
@@ -4705,7 +4820,7 @@
 </p:sld>
 </file>
 
-<file path=ppt/slides/slide14.xml><?xml version="1.0" encoding="utf-8"?>
+<file path=ppt/slides/slide15.xml><?xml version="1.0" encoding="utf-8"?>
 <p:sld xmlns:a="http://schemas.openxmlformats.org/drawingml/2006/main" xmlns:r="http://schemas.openxmlformats.org/officeDocument/2006/relationships" xmlns:p="http://schemas.openxmlformats.org/presentationml/2006/main">
   <p:cSld>
     <p:spTree>
@@ -4799,7 +4914,7 @@
 </p:sld>
 </file>
 
-<file path=ppt/slides/slide15.xml><?xml version="1.0" encoding="utf-8"?>
+<file path=ppt/slides/slide16.xml><?xml version="1.0" encoding="utf-8"?>
 <p:sld xmlns:a="http://schemas.openxmlformats.org/drawingml/2006/main" xmlns:r="http://schemas.openxmlformats.org/officeDocument/2006/relationships" xmlns:p="http://schemas.openxmlformats.org/presentationml/2006/main">
   <p:cSld>
     <p:spTree>
@@ -4894,7 +5009,7 @@
 </p:sld>
 </file>
 
-<file path=ppt/slides/slide16.xml><?xml version="1.0" encoding="utf-8"?>
+<file path=ppt/slides/slide17.xml><?xml version="1.0" encoding="utf-8"?>
 <p:sld xmlns:a="http://schemas.openxmlformats.org/drawingml/2006/main" xmlns:r="http://schemas.openxmlformats.org/officeDocument/2006/relationships" xmlns:p="http://schemas.openxmlformats.org/presentationml/2006/main">
   <p:cSld>
     <p:spTree>
@@ -4989,7 +5104,7 @@
 </p:sld>
 </file>
 
-<file path=ppt/slides/slide17.xml><?xml version="1.0" encoding="utf-8"?>
+<file path=ppt/slides/slide18.xml><?xml version="1.0" encoding="utf-8"?>
 <p:sld xmlns:a="http://schemas.openxmlformats.org/drawingml/2006/main" xmlns:r="http://schemas.openxmlformats.org/officeDocument/2006/relationships" xmlns:p="http://schemas.openxmlformats.org/presentationml/2006/main" show="0">
   <p:cSld>
     <p:spTree>
@@ -5312,7 +5427,7 @@
 </p:sld>
 </file>
 
-<file path=ppt/slides/slide18.xml><?xml version="1.0" encoding="utf-8"?>
+<file path=ppt/slides/slide19.xml><?xml version="1.0" encoding="utf-8"?>
 <p:sld xmlns:a="http://schemas.openxmlformats.org/drawingml/2006/main" xmlns:r="http://schemas.openxmlformats.org/officeDocument/2006/relationships" xmlns:p="http://schemas.openxmlformats.org/presentationml/2006/main">
   <p:cSld>
     <p:spTree>
@@ -5437,7 +5552,93 @@
 </p:sld>
 </file>
 
-<file path=ppt/slides/slide19.xml><?xml version="1.0" encoding="utf-8"?>
+<file path=ppt/slides/slide2.xml><?xml version="1.0" encoding="utf-8"?>
+<p:sld xmlns:a="http://schemas.openxmlformats.org/drawingml/2006/main" xmlns:r="http://schemas.openxmlformats.org/officeDocument/2006/relationships" xmlns:p="http://schemas.openxmlformats.org/presentationml/2006/main">
+  <p:cSld>
+    <p:spTree>
+      <p:nvGrpSpPr>
+        <p:cNvPr id="1" name=""/>
+        <p:cNvGrpSpPr/>
+        <p:nvPr/>
+      </p:nvGrpSpPr>
+      <p:grpSpPr>
+        <a:xfrm>
+          <a:off x="0" y="0"/>
+          <a:ext cx="0" cy="0"/>
+          <a:chOff x="0" y="0"/>
+          <a:chExt cx="0" cy="0"/>
+        </a:xfrm>
+      </p:grpSpPr>
+      <p:sp>
+        <p:nvSpPr>
+          <p:cNvPr id="2" name="Title 1"/>
+          <p:cNvSpPr>
+            <a:spLocks noGrp="1"/>
+          </p:cNvSpPr>
+          <p:nvPr>
+            <p:ph type="title"/>
+          </p:nvPr>
+        </p:nvSpPr>
+        <p:spPr/>
+        <p:txBody>
+          <a:bodyPr/>
+          <a:lstStyle/>
+          <a:p>
+            <a:r>
+              <a:rPr lang="en-US" dirty="0" smtClean="0"/>
+              <a:t>Things I can talk about</a:t>
+            </a:r>
+            <a:endParaRPr lang="en-US" dirty="0"/>
+          </a:p>
+        </p:txBody>
+      </p:sp>
+      <p:sp>
+        <p:nvSpPr>
+          <p:cNvPr id="3" name="Content Placeholder 2"/>
+          <p:cNvSpPr>
+            <a:spLocks noGrp="1"/>
+          </p:cNvSpPr>
+          <p:nvPr>
+            <p:ph idx="1"/>
+          </p:nvPr>
+        </p:nvSpPr>
+        <p:spPr/>
+        <p:txBody>
+          <a:bodyPr/>
+          <a:lstStyle/>
+          <a:p>
+            <a:r>
+              <a:rPr lang="en-US" dirty="0" smtClean="0"/>
+              <a:t>fMRI data + follow-up studies</a:t>
+            </a:r>
+          </a:p>
+          <a:p>
+            <a:r>
+              <a:rPr lang="en-US" dirty="0" smtClean="0"/>
+              <a:t>Speech data + </a:t>
+            </a:r>
+            <a:r>
+              <a:rPr lang="en-US" dirty="0" err="1" smtClean="0"/>
+              <a:t>rCA</a:t>
+            </a:r>
+            <a:endParaRPr lang="en-US" dirty="0"/>
+          </a:p>
+        </p:txBody>
+      </p:sp>
+    </p:spTree>
+    <p:extLst>
+      <p:ext uri="{BB962C8B-B14F-4D97-AF65-F5344CB8AC3E}">
+        <p14:creationId xmlns:p14="http://schemas.microsoft.com/office/powerpoint/2010/main" val="2102703044"/>
+      </p:ext>
+    </p:extLst>
+  </p:cSld>
+  <p:clrMapOvr>
+    <a:masterClrMapping/>
+  </p:clrMapOvr>
+</p:sld>
+</file>
+
+<file path=ppt/slides/slide20.xml><?xml version="1.0" encoding="utf-8"?>
 <p:sld xmlns:a="http://schemas.openxmlformats.org/drawingml/2006/main" xmlns:r="http://schemas.openxmlformats.org/officeDocument/2006/relationships" xmlns:p="http://schemas.openxmlformats.org/presentationml/2006/main">
   <p:cSld>
     <p:spTree>
@@ -5545,7 +5746,2039 @@
 </p:sld>
 </file>
 
-<file path=ppt/slides/slide2.xml><?xml version="1.0" encoding="utf-8"?>
+<file path=ppt/slides/slide21.xml><?xml version="1.0" encoding="utf-8"?>
+<p:sld xmlns:a="http://schemas.openxmlformats.org/drawingml/2006/main" xmlns:r="http://schemas.openxmlformats.org/officeDocument/2006/relationships" xmlns:p="http://schemas.openxmlformats.org/presentationml/2006/main">
+  <p:cSld>
+    <p:spTree>
+      <p:nvGrpSpPr>
+        <p:cNvPr id="1" name=""/>
+        <p:cNvGrpSpPr/>
+        <p:nvPr/>
+      </p:nvGrpSpPr>
+      <p:grpSpPr>
+        <a:xfrm>
+          <a:off x="0" y="0"/>
+          <a:ext cx="0" cy="0"/>
+          <a:chOff x="0" y="0"/>
+          <a:chExt cx="0" cy="0"/>
+        </a:xfrm>
+      </p:grpSpPr>
+      <p:sp>
+        <p:nvSpPr>
+          <p:cNvPr id="2" name="Title 1"/>
+          <p:cNvSpPr>
+            <a:spLocks noGrp="1"/>
+          </p:cNvSpPr>
+          <p:nvPr>
+            <p:ph type="title"/>
+          </p:nvPr>
+        </p:nvSpPr>
+        <p:spPr/>
+        <p:txBody>
+          <a:bodyPr/>
+          <a:lstStyle/>
+          <a:p>
+            <a:r>
+              <a:rPr lang="en-US" dirty="0" smtClean="0"/>
+              <a:t>Speech and </a:t>
+            </a:r>
+            <a:r>
+              <a:rPr lang="en-US" dirty="0" err="1" smtClean="0"/>
+              <a:t>rCA</a:t>
+            </a:r>
+            <a:endParaRPr lang="en-US" dirty="0"/>
+          </a:p>
+        </p:txBody>
+      </p:sp>
+      <p:pic>
+        <p:nvPicPr>
+          <p:cNvPr id="5" name="Picture 4"/>
+          <p:cNvPicPr>
+            <a:picLocks noChangeAspect="1"/>
+          </p:cNvPicPr>
+          <p:nvPr/>
+        </p:nvPicPr>
+        <p:blipFill>
+          <a:blip r:embed="rId2">
+            <a:extLst>
+              <a:ext uri="{28A0092B-C50C-407E-A947-70E740481C1C}">
+                <a14:useLocalDpi xmlns:a14="http://schemas.microsoft.com/office/drawing/2010/main" val="0"/>
+              </a:ext>
+            </a:extLst>
+          </a:blip>
+          <a:stretch>
+            <a:fillRect/>
+          </a:stretch>
+        </p:blipFill>
+        <p:spPr>
+          <a:xfrm>
+            <a:off x="0" y="2002247"/>
+            <a:ext cx="9144000" cy="4354286"/>
+          </a:xfrm>
+          <a:prstGeom prst="rect">
+            <a:avLst/>
+          </a:prstGeom>
+        </p:spPr>
+      </p:pic>
+    </p:spTree>
+    <p:extLst>
+      <p:ext uri="{BB962C8B-B14F-4D97-AF65-F5344CB8AC3E}">
+        <p14:creationId xmlns:p14="http://schemas.microsoft.com/office/powerpoint/2010/main" val="1853055182"/>
+      </p:ext>
+    </p:extLst>
+  </p:cSld>
+  <p:clrMapOvr>
+    <a:masterClrMapping/>
+  </p:clrMapOvr>
+  <p:timing>
+    <p:tnLst>
+      <p:par>
+        <p:cTn id="1" dur="indefinite" restart="never" nodeType="tmRoot"/>
+      </p:par>
+    </p:tnLst>
+  </p:timing>
+</p:sld>
+</file>
+
+<file path=ppt/slides/slide22.xml><?xml version="1.0" encoding="utf-8"?>
+<p:sld xmlns:a="http://schemas.openxmlformats.org/drawingml/2006/main" xmlns:r="http://schemas.openxmlformats.org/officeDocument/2006/relationships" xmlns:p="http://schemas.openxmlformats.org/presentationml/2006/main">
+  <p:cSld>
+    <p:spTree>
+      <p:nvGrpSpPr>
+        <p:cNvPr id="1" name=""/>
+        <p:cNvGrpSpPr/>
+        <p:nvPr/>
+      </p:nvGrpSpPr>
+      <p:grpSpPr>
+        <a:xfrm>
+          <a:off x="0" y="0"/>
+          <a:ext cx="0" cy="0"/>
+          <a:chOff x="0" y="0"/>
+          <a:chExt cx="0" cy="0"/>
+        </a:xfrm>
+      </p:grpSpPr>
+      <p:sp>
+        <p:nvSpPr>
+          <p:cNvPr id="2" name="Title 1"/>
+          <p:cNvSpPr>
+            <a:spLocks noGrp="1"/>
+          </p:cNvSpPr>
+          <p:nvPr>
+            <p:ph type="title"/>
+          </p:nvPr>
+        </p:nvSpPr>
+        <p:spPr/>
+        <p:txBody>
+          <a:bodyPr>
+            <a:normAutofit/>
+          </a:bodyPr>
+          <a:lstStyle/>
+          <a:p>
+            <a:r>
+              <a:rPr lang="en-US" dirty="0" err="1" smtClean="0"/>
+              <a:t>rCA</a:t>
+            </a:r>
+            <a:r>
+              <a:rPr lang="en-US" dirty="0"/>
+              <a:t/>
+            </a:r>
+            <a:br>
+              <a:rPr lang="en-US" dirty="0"/>
+            </a:br>
+            <a:r>
+              <a:rPr lang="en-US" dirty="0" smtClean="0"/>
+              <a:t>Correlational component analysis</a:t>
+            </a:r>
+            <a:endParaRPr lang="en-US" dirty="0"/>
+          </a:p>
+        </p:txBody>
+      </p:sp>
+      <p:sp>
+        <p:nvSpPr>
+          <p:cNvPr id="3" name="Content Placeholder 2"/>
+          <p:cNvSpPr>
+            <a:spLocks noGrp="1"/>
+          </p:cNvSpPr>
+          <p:nvPr>
+            <p:ph idx="1"/>
+          </p:nvPr>
+        </p:nvSpPr>
+        <p:spPr/>
+        <p:txBody>
+          <a:bodyPr/>
+          <a:lstStyle/>
+          <a:p>
+            <a:r>
+              <a:rPr lang="en-US" dirty="0" smtClean="0"/>
+              <a:t>Produces linear components that are maximally correlated in time </a:t>
+            </a:r>
+          </a:p>
+          <a:p>
+            <a:endParaRPr lang="en-US" dirty="0" smtClean="0"/>
+          </a:p>
+          <a:p>
+            <a:endParaRPr lang="en-US" dirty="0"/>
+          </a:p>
+          <a:p>
+            <a:endParaRPr lang="en-US" dirty="0" smtClean="0"/>
+          </a:p>
+          <a:p>
+            <a:endParaRPr lang="en-US" dirty="0" smtClean="0"/>
+          </a:p>
+          <a:p>
+            <a:r>
+              <a:rPr lang="en-US" sz="1600" dirty="0" err="1"/>
+              <a:t>Dmochowski</a:t>
+            </a:r>
+            <a:r>
+              <a:rPr lang="en-US" sz="1600" dirty="0"/>
+              <a:t>, J., </a:t>
+            </a:r>
+            <a:r>
+              <a:rPr lang="en-US" sz="1600" dirty="0" err="1"/>
+              <a:t>Sajda</a:t>
+            </a:r>
+            <a:r>
+              <a:rPr lang="en-US" sz="1600" dirty="0"/>
+              <a:t>, P., Dias, J., Parra, L. </a:t>
+            </a:r>
+            <a:r>
+              <a:rPr lang="en-US" sz="1600" dirty="0" smtClean="0"/>
+              <a:t>2012. Correlated </a:t>
+            </a:r>
+            <a:r>
+              <a:rPr lang="en-US" sz="1600" dirty="0"/>
+              <a:t>Components of Ongoing EEG Point to Emotionally Laden Attention – A </a:t>
+            </a:r>
+            <a:r>
+              <a:rPr lang="en-US" sz="1600" dirty="0" smtClean="0"/>
+              <a:t>Possible </a:t>
+            </a:r>
+            <a:r>
+              <a:rPr lang="en-US" sz="1600" dirty="0"/>
+              <a:t>Marker of Engagement</a:t>
+            </a:r>
+            <a:r>
+              <a:rPr lang="en-US" sz="1600" dirty="0" smtClean="0"/>
+              <a:t>? </a:t>
+            </a:r>
+            <a:r>
+              <a:rPr lang="en-US" sz="1600" i="1" dirty="0" smtClean="0"/>
+              <a:t>Frontiers in Human Neuroscience</a:t>
+            </a:r>
+            <a:endParaRPr lang="en-US" sz="1600" dirty="0" smtClean="0"/>
+          </a:p>
+        </p:txBody>
+      </p:sp>
+    </p:spTree>
+    <p:extLst>
+      <p:ext uri="{BB962C8B-B14F-4D97-AF65-F5344CB8AC3E}">
+        <p14:creationId xmlns:p14="http://schemas.microsoft.com/office/powerpoint/2010/main" val="971749121"/>
+      </p:ext>
+    </p:extLst>
+  </p:cSld>
+  <p:clrMapOvr>
+    <a:masterClrMapping/>
+  </p:clrMapOvr>
+  <p:timing>
+    <p:tnLst>
+      <p:par>
+        <p:cTn id="1" dur="indefinite" restart="never" nodeType="tmRoot"/>
+      </p:par>
+    </p:tnLst>
+  </p:timing>
+</p:sld>
+</file>
+
+<file path=ppt/slides/slide23.xml><?xml version="1.0" encoding="utf-8"?>
+<p:sld xmlns:a="http://schemas.openxmlformats.org/drawingml/2006/main" xmlns:r="http://schemas.openxmlformats.org/officeDocument/2006/relationships" xmlns:p="http://schemas.openxmlformats.org/presentationml/2006/main">
+  <p:cSld>
+    <p:spTree>
+      <p:nvGrpSpPr>
+        <p:cNvPr id="1" name=""/>
+        <p:cNvGrpSpPr/>
+        <p:nvPr/>
+      </p:nvGrpSpPr>
+      <p:grpSpPr>
+        <a:xfrm>
+          <a:off x="0" y="0"/>
+          <a:ext cx="0" cy="0"/>
+          <a:chOff x="0" y="0"/>
+          <a:chExt cx="0" cy="0"/>
+        </a:xfrm>
+      </p:grpSpPr>
+      <p:pic>
+        <p:nvPicPr>
+          <p:cNvPr id="4" name="Picture 3"/>
+          <p:cNvPicPr>
+            <a:picLocks noChangeAspect="1"/>
+          </p:cNvPicPr>
+          <p:nvPr/>
+        </p:nvPicPr>
+        <p:blipFill>
+          <a:blip r:embed="rId2">
+            <a:extLst>
+              <a:ext uri="{28A0092B-C50C-407E-A947-70E740481C1C}">
+                <a14:useLocalDpi xmlns:a14="http://schemas.microsoft.com/office/drawing/2010/main" val="0"/>
+              </a:ext>
+            </a:extLst>
+          </a:blip>
+          <a:stretch>
+            <a:fillRect/>
+          </a:stretch>
+        </p:blipFill>
+        <p:spPr>
+          <a:xfrm>
+            <a:off x="1016000" y="762000"/>
+            <a:ext cx="7112000" cy="5334000"/>
+          </a:xfrm>
+          <a:prstGeom prst="rect">
+            <a:avLst/>
+          </a:prstGeom>
+        </p:spPr>
+      </p:pic>
+      <p:sp>
+        <p:nvSpPr>
+          <p:cNvPr id="5" name="Rectangle 4"/>
+          <p:cNvSpPr/>
+          <p:nvPr/>
+        </p:nvSpPr>
+        <p:spPr>
+          <a:xfrm>
+            <a:off x="4572000" y="862149"/>
+            <a:ext cx="3331029" cy="2468880"/>
+          </a:xfrm>
+          <a:prstGeom prst="rect">
+            <a:avLst/>
+          </a:prstGeom>
+          <a:solidFill>
+            <a:schemeClr val="bg1"/>
+          </a:solidFill>
+          <a:ln>
+            <a:noFill/>
+          </a:ln>
+        </p:spPr>
+        <p:style>
+          <a:lnRef idx="2">
+            <a:schemeClr val="accent1">
+              <a:shade val="50000"/>
+            </a:schemeClr>
+          </a:lnRef>
+          <a:fillRef idx="1">
+            <a:schemeClr val="accent1"/>
+          </a:fillRef>
+          <a:effectRef idx="0">
+            <a:schemeClr val="accent1"/>
+          </a:effectRef>
+          <a:fontRef idx="minor">
+            <a:schemeClr val="lt1"/>
+          </a:fontRef>
+        </p:style>
+        <p:txBody>
+          <a:bodyPr rtlCol="0" anchor="ctr"/>
+          <a:lstStyle/>
+          <a:p>
+            <a:pPr algn="ctr"/>
+            <a:endParaRPr lang="en-US"/>
+          </a:p>
+        </p:txBody>
+      </p:sp>
+      <p:sp>
+        <p:nvSpPr>
+          <p:cNvPr id="6" name="Rectangle 5"/>
+          <p:cNvSpPr/>
+          <p:nvPr/>
+        </p:nvSpPr>
+        <p:spPr>
+          <a:xfrm>
+            <a:off x="1240970" y="3479074"/>
+            <a:ext cx="3331029" cy="2468880"/>
+          </a:xfrm>
+          <a:prstGeom prst="rect">
+            <a:avLst/>
+          </a:prstGeom>
+          <a:solidFill>
+            <a:schemeClr val="bg1"/>
+          </a:solidFill>
+          <a:ln>
+            <a:noFill/>
+          </a:ln>
+        </p:spPr>
+        <p:style>
+          <a:lnRef idx="2">
+            <a:schemeClr val="accent1">
+              <a:shade val="50000"/>
+            </a:schemeClr>
+          </a:lnRef>
+          <a:fillRef idx="1">
+            <a:schemeClr val="accent1"/>
+          </a:fillRef>
+          <a:effectRef idx="0">
+            <a:schemeClr val="accent1"/>
+          </a:effectRef>
+          <a:fontRef idx="minor">
+            <a:schemeClr val="lt1"/>
+          </a:fontRef>
+        </p:style>
+        <p:txBody>
+          <a:bodyPr rtlCol="0" anchor="ctr"/>
+          <a:lstStyle/>
+          <a:p>
+            <a:pPr algn="ctr"/>
+            <a:endParaRPr lang="en-US"/>
+          </a:p>
+        </p:txBody>
+      </p:sp>
+      <p:sp>
+        <p:nvSpPr>
+          <p:cNvPr id="7" name="Rectangle 6"/>
+          <p:cNvSpPr/>
+          <p:nvPr/>
+        </p:nvSpPr>
+        <p:spPr>
+          <a:xfrm>
+            <a:off x="4571999" y="3429000"/>
+            <a:ext cx="3331029" cy="2468880"/>
+          </a:xfrm>
+          <a:prstGeom prst="rect">
+            <a:avLst/>
+          </a:prstGeom>
+          <a:solidFill>
+            <a:schemeClr val="bg1"/>
+          </a:solidFill>
+          <a:ln>
+            <a:noFill/>
+          </a:ln>
+        </p:spPr>
+        <p:style>
+          <a:lnRef idx="2">
+            <a:schemeClr val="accent1">
+              <a:shade val="50000"/>
+            </a:schemeClr>
+          </a:lnRef>
+          <a:fillRef idx="1">
+            <a:schemeClr val="accent1"/>
+          </a:fillRef>
+          <a:effectRef idx="0">
+            <a:schemeClr val="accent1"/>
+          </a:effectRef>
+          <a:fontRef idx="minor">
+            <a:schemeClr val="lt1"/>
+          </a:fontRef>
+        </p:style>
+        <p:txBody>
+          <a:bodyPr rtlCol="0" anchor="ctr"/>
+          <a:lstStyle/>
+          <a:p>
+            <a:pPr algn="ctr"/>
+            <a:endParaRPr lang="en-US"/>
+          </a:p>
+        </p:txBody>
+      </p:sp>
+    </p:spTree>
+    <p:extLst>
+      <p:ext uri="{BB962C8B-B14F-4D97-AF65-F5344CB8AC3E}">
+        <p14:creationId xmlns:p14="http://schemas.microsoft.com/office/powerpoint/2010/main" val="1134956724"/>
+      </p:ext>
+    </p:extLst>
+  </p:cSld>
+  <p:clrMapOvr>
+    <a:masterClrMapping/>
+  </p:clrMapOvr>
+  <p:timing>
+    <p:tnLst>
+      <p:par>
+        <p:cTn id="1" dur="indefinite" restart="never" nodeType="tmRoot">
+          <p:childTnLst>
+            <p:seq concurrent="1" nextAc="seek">
+              <p:cTn id="2" dur="indefinite" nodeType="mainSeq">
+                <p:childTnLst>
+                  <p:par>
+                    <p:cTn id="3" fill="hold">
+                      <p:stCondLst>
+                        <p:cond delay="indefinite"/>
+                      </p:stCondLst>
+                      <p:childTnLst>
+                        <p:par>
+                          <p:cTn id="4" fill="hold">
+                            <p:stCondLst>
+                              <p:cond delay="0"/>
+                            </p:stCondLst>
+                            <p:childTnLst>
+                              <p:par>
+                                <p:cTn id="5" presetID="1" presetClass="exit" presetSubtype="0" fill="hold" grpId="0" nodeType="clickEffect">
+                                  <p:stCondLst>
+                                    <p:cond delay="0"/>
+                                  </p:stCondLst>
+                                  <p:childTnLst>
+                                    <p:set>
+                                      <p:cBhvr>
+                                        <p:cTn id="6" dur="1" fill="hold">
+                                          <p:stCondLst>
+                                            <p:cond delay="0"/>
+                                          </p:stCondLst>
+                                        </p:cTn>
+                                        <p:tgtEl>
+                                          <p:spTgt spid="5"/>
+                                        </p:tgtEl>
+                                        <p:attrNameLst>
+                                          <p:attrName>style.visibility</p:attrName>
+                                        </p:attrNameLst>
+                                      </p:cBhvr>
+                                      <p:to>
+                                        <p:strVal val="hidden"/>
+                                      </p:to>
+                                    </p:set>
+                                  </p:childTnLst>
+                                </p:cTn>
+                              </p:par>
+                            </p:childTnLst>
+                          </p:cTn>
+                        </p:par>
+                      </p:childTnLst>
+                    </p:cTn>
+                  </p:par>
+                  <p:par>
+                    <p:cTn id="7" fill="hold">
+                      <p:stCondLst>
+                        <p:cond delay="indefinite"/>
+                      </p:stCondLst>
+                      <p:childTnLst>
+                        <p:par>
+                          <p:cTn id="8" fill="hold">
+                            <p:stCondLst>
+                              <p:cond delay="0"/>
+                            </p:stCondLst>
+                            <p:childTnLst>
+                              <p:par>
+                                <p:cTn id="9" presetID="1" presetClass="exit" presetSubtype="0" fill="hold" grpId="0" nodeType="clickEffect">
+                                  <p:stCondLst>
+                                    <p:cond delay="0"/>
+                                  </p:stCondLst>
+                                  <p:childTnLst>
+                                    <p:set>
+                                      <p:cBhvr>
+                                        <p:cTn id="10" dur="1" fill="hold">
+                                          <p:stCondLst>
+                                            <p:cond delay="0"/>
+                                          </p:stCondLst>
+                                        </p:cTn>
+                                        <p:tgtEl>
+                                          <p:spTgt spid="6"/>
+                                        </p:tgtEl>
+                                        <p:attrNameLst>
+                                          <p:attrName>style.visibility</p:attrName>
+                                        </p:attrNameLst>
+                                      </p:cBhvr>
+                                      <p:to>
+                                        <p:strVal val="hidden"/>
+                                      </p:to>
+                                    </p:set>
+                                  </p:childTnLst>
+                                </p:cTn>
+                              </p:par>
+                            </p:childTnLst>
+                          </p:cTn>
+                        </p:par>
+                      </p:childTnLst>
+                    </p:cTn>
+                  </p:par>
+                  <p:par>
+                    <p:cTn id="11" fill="hold">
+                      <p:stCondLst>
+                        <p:cond delay="indefinite"/>
+                      </p:stCondLst>
+                      <p:childTnLst>
+                        <p:par>
+                          <p:cTn id="12" fill="hold">
+                            <p:stCondLst>
+                              <p:cond delay="0"/>
+                            </p:stCondLst>
+                            <p:childTnLst>
+                              <p:par>
+                                <p:cTn id="13" presetID="1" presetClass="exit" presetSubtype="0" fill="hold" grpId="0" nodeType="clickEffect">
+                                  <p:stCondLst>
+                                    <p:cond delay="0"/>
+                                  </p:stCondLst>
+                                  <p:childTnLst>
+                                    <p:set>
+                                      <p:cBhvr>
+                                        <p:cTn id="14" dur="1" fill="hold">
+                                          <p:stCondLst>
+                                            <p:cond delay="0"/>
+                                          </p:stCondLst>
+                                        </p:cTn>
+                                        <p:tgtEl>
+                                          <p:spTgt spid="7"/>
+                                        </p:tgtEl>
+                                        <p:attrNameLst>
+                                          <p:attrName>style.visibility</p:attrName>
+                                        </p:attrNameLst>
+                                      </p:cBhvr>
+                                      <p:to>
+                                        <p:strVal val="hidden"/>
+                                      </p:to>
+                                    </p:set>
+                                  </p:childTnLst>
+                                </p:cTn>
+                              </p:par>
+                            </p:childTnLst>
+                          </p:cTn>
+                        </p:par>
+                      </p:childTnLst>
+                    </p:cTn>
+                  </p:par>
+                </p:childTnLst>
+              </p:cTn>
+              <p:prevCondLst>
+                <p:cond evt="onPrev" delay="0">
+                  <p:tgtEl>
+                    <p:sldTgt/>
+                  </p:tgtEl>
+                </p:cond>
+              </p:prevCondLst>
+              <p:nextCondLst>
+                <p:cond evt="onNext" delay="0">
+                  <p:tgtEl>
+                    <p:sldTgt/>
+                  </p:tgtEl>
+                </p:cond>
+              </p:nextCondLst>
+            </p:seq>
+          </p:childTnLst>
+        </p:cTn>
+      </p:par>
+    </p:tnLst>
+    <p:bldLst>
+      <p:bldP spid="5" grpId="0" animBg="1"/>
+      <p:bldP spid="6" grpId="0" animBg="1"/>
+      <p:bldP spid="7" grpId="0" animBg="1"/>
+    </p:bldLst>
+  </p:timing>
+</p:sld>
+</file>
+
+<file path=ppt/slides/slide24.xml><?xml version="1.0" encoding="utf-8"?>
+<p:sld xmlns:a="http://schemas.openxmlformats.org/drawingml/2006/main" xmlns:r="http://schemas.openxmlformats.org/officeDocument/2006/relationships" xmlns:p="http://schemas.openxmlformats.org/presentationml/2006/main">
+  <p:cSld>
+    <p:spTree>
+      <p:nvGrpSpPr>
+        <p:cNvPr id="1" name=""/>
+        <p:cNvGrpSpPr/>
+        <p:nvPr/>
+      </p:nvGrpSpPr>
+      <p:grpSpPr>
+        <a:xfrm>
+          <a:off x="0" y="0"/>
+          <a:ext cx="0" cy="0"/>
+          <a:chOff x="0" y="0"/>
+          <a:chExt cx="0" cy="0"/>
+        </a:xfrm>
+      </p:grpSpPr>
+      <p:sp>
+        <p:nvSpPr>
+          <p:cNvPr id="4" name="TextBox 3"/>
+          <p:cNvSpPr txBox="1"/>
+          <p:nvPr/>
+        </p:nvSpPr>
+        <p:spPr>
+          <a:xfrm>
+            <a:off x="1593668" y="326571"/>
+            <a:ext cx="1298304" cy="369332"/>
+          </a:xfrm>
+          <a:prstGeom prst="rect">
+            <a:avLst/>
+          </a:prstGeom>
+          <a:noFill/>
+        </p:spPr>
+        <p:txBody>
+          <a:bodyPr wrap="none" rtlCol="0">
+            <a:spAutoFit/>
+          </a:bodyPr>
+          <a:lstStyle/>
+          <a:p>
+            <a:r>
+              <a:rPr lang="en-US" smtClean="0"/>
+              <a:t>imagination</a:t>
+            </a:r>
+            <a:endParaRPr lang="en-US"/>
+          </a:p>
+        </p:txBody>
+      </p:sp>
+      <p:sp>
+        <p:nvSpPr>
+          <p:cNvPr id="5" name="TextBox 4"/>
+          <p:cNvSpPr txBox="1"/>
+          <p:nvPr/>
+        </p:nvSpPr>
+        <p:spPr>
+          <a:xfrm>
+            <a:off x="6723017" y="326571"/>
+            <a:ext cx="1206484" cy="369332"/>
+          </a:xfrm>
+          <a:prstGeom prst="rect">
+            <a:avLst/>
+          </a:prstGeom>
+          <a:noFill/>
+        </p:spPr>
+        <p:txBody>
+          <a:bodyPr wrap="none" rtlCol="0">
+            <a:spAutoFit/>
+          </a:bodyPr>
+          <a:lstStyle/>
+          <a:p>
+            <a:r>
+              <a:rPr lang="en-US" dirty="0" smtClean="0"/>
+              <a:t>perception</a:t>
+            </a:r>
+            <a:endParaRPr lang="en-US" dirty="0"/>
+          </a:p>
+        </p:txBody>
+      </p:sp>
+      <p:sp>
+        <p:nvSpPr>
+          <p:cNvPr id="6" name="TextBox 5"/>
+          <p:cNvSpPr txBox="1"/>
+          <p:nvPr/>
+        </p:nvSpPr>
+        <p:spPr>
+          <a:xfrm rot="16200000">
+            <a:off x="-96521" y="2024742"/>
+            <a:ext cx="870688" cy="369332"/>
+          </a:xfrm>
+          <a:prstGeom prst="rect">
+            <a:avLst/>
+          </a:prstGeom>
+          <a:noFill/>
+        </p:spPr>
+        <p:txBody>
+          <a:bodyPr wrap="none" rtlCol="0">
+            <a:spAutoFit/>
+          </a:bodyPr>
+          <a:lstStyle/>
+          <a:p>
+            <a:r>
+              <a:rPr lang="en-US" smtClean="0"/>
+              <a:t>rhythm</a:t>
+            </a:r>
+            <a:endParaRPr lang="en-US" dirty="0"/>
+          </a:p>
+        </p:txBody>
+      </p:sp>
+      <p:sp>
+        <p:nvSpPr>
+          <p:cNvPr id="7" name="TextBox 6"/>
+          <p:cNvSpPr txBox="1"/>
+          <p:nvPr/>
+        </p:nvSpPr>
+        <p:spPr>
+          <a:xfrm rot="16200000">
+            <a:off x="-84531" y="5368836"/>
+            <a:ext cx="846707" cy="369332"/>
+          </a:xfrm>
+          <a:prstGeom prst="rect">
+            <a:avLst/>
+          </a:prstGeom>
+          <a:noFill/>
+        </p:spPr>
+        <p:txBody>
+          <a:bodyPr wrap="none" rtlCol="0">
+            <a:spAutoFit/>
+          </a:bodyPr>
+          <a:lstStyle/>
+          <a:p>
+            <a:r>
+              <a:rPr lang="en-US" smtClean="0"/>
+              <a:t>speech</a:t>
+            </a:r>
+          </a:p>
+        </p:txBody>
+      </p:sp>
+      <p:pic>
+        <p:nvPicPr>
+          <p:cNvPr id="8" name="Picture 7"/>
+          <p:cNvPicPr>
+            <a:picLocks noChangeAspect="1"/>
+          </p:cNvPicPr>
+          <p:nvPr/>
+        </p:nvPicPr>
+        <p:blipFill>
+          <a:blip r:embed="rId2">
+            <a:extLst>
+              <a:ext uri="{28A0092B-C50C-407E-A947-70E740481C1C}">
+                <a14:useLocalDpi xmlns:a14="http://schemas.microsoft.com/office/drawing/2010/main" val="0"/>
+              </a:ext>
+            </a:extLst>
+          </a:blip>
+          <a:stretch>
+            <a:fillRect/>
+          </a:stretch>
+        </p:blipFill>
+        <p:spPr>
+          <a:xfrm>
+            <a:off x="627991" y="905298"/>
+            <a:ext cx="3477623" cy="2608217"/>
+          </a:xfrm>
+          <a:prstGeom prst="rect">
+            <a:avLst/>
+          </a:prstGeom>
+        </p:spPr>
+      </p:pic>
+      <p:pic>
+        <p:nvPicPr>
+          <p:cNvPr id="9" name="Picture 8"/>
+          <p:cNvPicPr>
+            <a:picLocks noChangeAspect="1"/>
+          </p:cNvPicPr>
+          <p:nvPr/>
+        </p:nvPicPr>
+        <p:blipFill>
+          <a:blip r:embed="rId3">
+            <a:extLst>
+              <a:ext uri="{28A0092B-C50C-407E-A947-70E740481C1C}">
+                <a14:useLocalDpi xmlns:a14="http://schemas.microsoft.com/office/drawing/2010/main" val="0"/>
+              </a:ext>
+            </a:extLst>
+          </a:blip>
+          <a:stretch>
+            <a:fillRect/>
+          </a:stretch>
+        </p:blipFill>
+        <p:spPr>
+          <a:xfrm>
+            <a:off x="5183052" y="905298"/>
+            <a:ext cx="3477623" cy="2608217"/>
+          </a:xfrm>
+          <a:prstGeom prst="rect">
+            <a:avLst/>
+          </a:prstGeom>
+        </p:spPr>
+      </p:pic>
+      <p:pic>
+        <p:nvPicPr>
+          <p:cNvPr id="10" name="Picture 9"/>
+          <p:cNvPicPr>
+            <a:picLocks noChangeAspect="1"/>
+          </p:cNvPicPr>
+          <p:nvPr/>
+        </p:nvPicPr>
+        <p:blipFill>
+          <a:blip r:embed="rId4">
+            <a:extLst>
+              <a:ext uri="{28A0092B-C50C-407E-A947-70E740481C1C}">
+                <a14:useLocalDpi xmlns:a14="http://schemas.microsoft.com/office/drawing/2010/main" val="0"/>
+              </a:ext>
+            </a:extLst>
+          </a:blip>
+          <a:stretch>
+            <a:fillRect/>
+          </a:stretch>
+        </p:blipFill>
+        <p:spPr>
+          <a:xfrm>
+            <a:off x="627991" y="3722910"/>
+            <a:ext cx="3668687" cy="2751515"/>
+          </a:xfrm>
+          <a:prstGeom prst="rect">
+            <a:avLst/>
+          </a:prstGeom>
+        </p:spPr>
+      </p:pic>
+      <p:pic>
+        <p:nvPicPr>
+          <p:cNvPr id="11" name="Picture 10"/>
+          <p:cNvPicPr>
+            <a:picLocks noChangeAspect="1"/>
+          </p:cNvPicPr>
+          <p:nvPr/>
+        </p:nvPicPr>
+        <p:blipFill>
+          <a:blip r:embed="rId5">
+            <a:extLst>
+              <a:ext uri="{28A0092B-C50C-407E-A947-70E740481C1C}">
+                <a14:useLocalDpi xmlns:a14="http://schemas.microsoft.com/office/drawing/2010/main" val="0"/>
+              </a:ext>
+            </a:extLst>
+          </a:blip>
+          <a:stretch>
+            <a:fillRect/>
+          </a:stretch>
+        </p:blipFill>
+        <p:spPr>
+          <a:xfrm>
+            <a:off x="4991988" y="3722909"/>
+            <a:ext cx="3668687" cy="2751515"/>
+          </a:xfrm>
+          <a:prstGeom prst="rect">
+            <a:avLst/>
+          </a:prstGeom>
+        </p:spPr>
+      </p:pic>
+      <p:sp>
+        <p:nvSpPr>
+          <p:cNvPr id="12" name="TextBox 11"/>
+          <p:cNvSpPr txBox="1"/>
+          <p:nvPr/>
+        </p:nvSpPr>
+        <p:spPr>
+          <a:xfrm>
+            <a:off x="3940654" y="141905"/>
+            <a:ext cx="866840" cy="369332"/>
+          </a:xfrm>
+          <a:prstGeom prst="rect">
+            <a:avLst/>
+          </a:prstGeom>
+          <a:noFill/>
+        </p:spPr>
+        <p:txBody>
+          <a:bodyPr wrap="none" rtlCol="0">
+            <a:spAutoFit/>
+          </a:bodyPr>
+          <a:lstStyle/>
+          <a:p>
+            <a:r>
+              <a:rPr lang="en-US" dirty="0" smtClean="0"/>
+              <a:t>Hungry</a:t>
+            </a:r>
+            <a:endParaRPr lang="en-US" dirty="0"/>
+          </a:p>
+        </p:txBody>
+      </p:sp>
+      <p:sp>
+        <p:nvSpPr>
+          <p:cNvPr id="13" name="Rectangle 12"/>
+          <p:cNvSpPr/>
+          <p:nvPr/>
+        </p:nvSpPr>
+        <p:spPr>
+          <a:xfrm>
+            <a:off x="0" y="3453239"/>
+            <a:ext cx="8974183" cy="3234943"/>
+          </a:xfrm>
+          <a:prstGeom prst="rect">
+            <a:avLst/>
+          </a:prstGeom>
+          <a:solidFill>
+            <a:schemeClr val="bg1"/>
+          </a:solidFill>
+          <a:ln>
+            <a:noFill/>
+          </a:ln>
+        </p:spPr>
+        <p:style>
+          <a:lnRef idx="2">
+            <a:schemeClr val="accent1">
+              <a:shade val="50000"/>
+            </a:schemeClr>
+          </a:lnRef>
+          <a:fillRef idx="1">
+            <a:schemeClr val="accent1"/>
+          </a:fillRef>
+          <a:effectRef idx="0">
+            <a:schemeClr val="accent1"/>
+          </a:effectRef>
+          <a:fontRef idx="minor">
+            <a:schemeClr val="lt1"/>
+          </a:fontRef>
+        </p:style>
+        <p:txBody>
+          <a:bodyPr rtlCol="0" anchor="ctr"/>
+          <a:lstStyle/>
+          <a:p>
+            <a:pPr algn="ctr"/>
+            <a:endParaRPr lang="en-US"/>
+          </a:p>
+        </p:txBody>
+      </p:sp>
+    </p:spTree>
+    <p:extLst>
+      <p:ext uri="{BB962C8B-B14F-4D97-AF65-F5344CB8AC3E}">
+        <p14:creationId xmlns:p14="http://schemas.microsoft.com/office/powerpoint/2010/main" val="898862035"/>
+      </p:ext>
+    </p:extLst>
+  </p:cSld>
+  <p:clrMapOvr>
+    <a:masterClrMapping/>
+  </p:clrMapOvr>
+  <p:timing>
+    <p:tnLst>
+      <p:par>
+        <p:cTn id="1" dur="indefinite" restart="never" nodeType="tmRoot">
+          <p:childTnLst>
+            <p:seq concurrent="1" nextAc="seek">
+              <p:cTn id="2" dur="indefinite" nodeType="mainSeq">
+                <p:childTnLst>
+                  <p:par>
+                    <p:cTn id="3" fill="hold">
+                      <p:stCondLst>
+                        <p:cond delay="indefinite"/>
+                      </p:stCondLst>
+                      <p:childTnLst>
+                        <p:par>
+                          <p:cTn id="4" fill="hold">
+                            <p:stCondLst>
+                              <p:cond delay="0"/>
+                            </p:stCondLst>
+                            <p:childTnLst>
+                              <p:par>
+                                <p:cTn id="5" presetID="1" presetClass="exit" presetSubtype="0" fill="hold" grpId="0" nodeType="clickEffect">
+                                  <p:stCondLst>
+                                    <p:cond delay="0"/>
+                                  </p:stCondLst>
+                                  <p:childTnLst>
+                                    <p:set>
+                                      <p:cBhvr>
+                                        <p:cTn id="6" dur="1" fill="hold">
+                                          <p:stCondLst>
+                                            <p:cond delay="0"/>
+                                          </p:stCondLst>
+                                        </p:cTn>
+                                        <p:tgtEl>
+                                          <p:spTgt spid="13"/>
+                                        </p:tgtEl>
+                                        <p:attrNameLst>
+                                          <p:attrName>style.visibility</p:attrName>
+                                        </p:attrNameLst>
+                                      </p:cBhvr>
+                                      <p:to>
+                                        <p:strVal val="hidden"/>
+                                      </p:to>
+                                    </p:set>
+                                  </p:childTnLst>
+                                </p:cTn>
+                              </p:par>
+                            </p:childTnLst>
+                          </p:cTn>
+                        </p:par>
+                      </p:childTnLst>
+                    </p:cTn>
+                  </p:par>
+                </p:childTnLst>
+              </p:cTn>
+              <p:prevCondLst>
+                <p:cond evt="onPrev" delay="0">
+                  <p:tgtEl>
+                    <p:sldTgt/>
+                  </p:tgtEl>
+                </p:cond>
+              </p:prevCondLst>
+              <p:nextCondLst>
+                <p:cond evt="onNext" delay="0">
+                  <p:tgtEl>
+                    <p:sldTgt/>
+                  </p:tgtEl>
+                </p:cond>
+              </p:nextCondLst>
+            </p:seq>
+          </p:childTnLst>
+        </p:cTn>
+      </p:par>
+    </p:tnLst>
+    <p:bldLst>
+      <p:bldP spid="13" grpId="0" animBg="1"/>
+    </p:bldLst>
+  </p:timing>
+</p:sld>
+</file>
+
+<file path=ppt/slides/slide25.xml><?xml version="1.0" encoding="utf-8"?>
+<p:sld xmlns:a="http://schemas.openxmlformats.org/drawingml/2006/main" xmlns:r="http://schemas.openxmlformats.org/officeDocument/2006/relationships" xmlns:p="http://schemas.openxmlformats.org/presentationml/2006/main">
+  <p:cSld>
+    <p:spTree>
+      <p:nvGrpSpPr>
+        <p:cNvPr id="1" name=""/>
+        <p:cNvGrpSpPr/>
+        <p:nvPr/>
+      </p:nvGrpSpPr>
+      <p:grpSpPr>
+        <a:xfrm>
+          <a:off x="0" y="0"/>
+          <a:ext cx="0" cy="0"/>
+          <a:chOff x="0" y="0"/>
+          <a:chExt cx="0" cy="0"/>
+        </a:xfrm>
+      </p:grpSpPr>
+      <p:sp>
+        <p:nvSpPr>
+          <p:cNvPr id="4" name="TextBox 3"/>
+          <p:cNvSpPr txBox="1"/>
+          <p:nvPr/>
+        </p:nvSpPr>
+        <p:spPr>
+          <a:xfrm>
+            <a:off x="1593668" y="326571"/>
+            <a:ext cx="1298304" cy="369332"/>
+          </a:xfrm>
+          <a:prstGeom prst="rect">
+            <a:avLst/>
+          </a:prstGeom>
+          <a:noFill/>
+        </p:spPr>
+        <p:txBody>
+          <a:bodyPr wrap="none" rtlCol="0">
+            <a:spAutoFit/>
+          </a:bodyPr>
+          <a:lstStyle/>
+          <a:p>
+            <a:r>
+              <a:rPr lang="en-US" smtClean="0"/>
+              <a:t>imagination</a:t>
+            </a:r>
+            <a:endParaRPr lang="en-US"/>
+          </a:p>
+        </p:txBody>
+      </p:sp>
+      <p:sp>
+        <p:nvSpPr>
+          <p:cNvPr id="5" name="TextBox 4"/>
+          <p:cNvSpPr txBox="1"/>
+          <p:nvPr/>
+        </p:nvSpPr>
+        <p:spPr>
+          <a:xfrm>
+            <a:off x="6723017" y="326571"/>
+            <a:ext cx="1206484" cy="369332"/>
+          </a:xfrm>
+          <a:prstGeom prst="rect">
+            <a:avLst/>
+          </a:prstGeom>
+          <a:noFill/>
+        </p:spPr>
+        <p:txBody>
+          <a:bodyPr wrap="none" rtlCol="0">
+            <a:spAutoFit/>
+          </a:bodyPr>
+          <a:lstStyle/>
+          <a:p>
+            <a:r>
+              <a:rPr lang="en-US" dirty="0" smtClean="0"/>
+              <a:t>perception</a:t>
+            </a:r>
+            <a:endParaRPr lang="en-US" dirty="0"/>
+          </a:p>
+        </p:txBody>
+      </p:sp>
+      <p:sp>
+        <p:nvSpPr>
+          <p:cNvPr id="6" name="TextBox 5"/>
+          <p:cNvSpPr txBox="1"/>
+          <p:nvPr/>
+        </p:nvSpPr>
+        <p:spPr>
+          <a:xfrm rot="16200000">
+            <a:off x="-96521" y="2024742"/>
+            <a:ext cx="870688" cy="369332"/>
+          </a:xfrm>
+          <a:prstGeom prst="rect">
+            <a:avLst/>
+          </a:prstGeom>
+          <a:noFill/>
+        </p:spPr>
+        <p:txBody>
+          <a:bodyPr wrap="none" rtlCol="0">
+            <a:spAutoFit/>
+          </a:bodyPr>
+          <a:lstStyle/>
+          <a:p>
+            <a:r>
+              <a:rPr lang="en-US" smtClean="0"/>
+              <a:t>rhythm</a:t>
+            </a:r>
+            <a:endParaRPr lang="en-US" dirty="0"/>
+          </a:p>
+        </p:txBody>
+      </p:sp>
+      <p:sp>
+        <p:nvSpPr>
+          <p:cNvPr id="7" name="TextBox 6"/>
+          <p:cNvSpPr txBox="1"/>
+          <p:nvPr/>
+        </p:nvSpPr>
+        <p:spPr>
+          <a:xfrm rot="16200000">
+            <a:off x="-84531" y="5368836"/>
+            <a:ext cx="846707" cy="369332"/>
+          </a:xfrm>
+          <a:prstGeom prst="rect">
+            <a:avLst/>
+          </a:prstGeom>
+          <a:noFill/>
+        </p:spPr>
+        <p:txBody>
+          <a:bodyPr wrap="none" rtlCol="0">
+            <a:spAutoFit/>
+          </a:bodyPr>
+          <a:lstStyle/>
+          <a:p>
+            <a:r>
+              <a:rPr lang="en-US" smtClean="0"/>
+              <a:t>speech</a:t>
+            </a:r>
+          </a:p>
+        </p:txBody>
+      </p:sp>
+      <p:sp>
+        <p:nvSpPr>
+          <p:cNvPr id="12" name="TextBox 11"/>
+          <p:cNvSpPr txBox="1"/>
+          <p:nvPr/>
+        </p:nvSpPr>
+        <p:spPr>
+          <a:xfrm>
+            <a:off x="4261736" y="141905"/>
+            <a:ext cx="697627" cy="369332"/>
+          </a:xfrm>
+          <a:prstGeom prst="rect">
+            <a:avLst/>
+          </a:prstGeom>
+          <a:noFill/>
+        </p:spPr>
+        <p:txBody>
+          <a:bodyPr wrap="none" rtlCol="0">
+            <a:spAutoFit/>
+          </a:bodyPr>
+          <a:lstStyle/>
+          <a:p>
+            <a:r>
+              <a:rPr lang="en-US" dirty="0" smtClean="0"/>
+              <a:t>Hurts</a:t>
+            </a:r>
+            <a:endParaRPr lang="en-US" dirty="0"/>
+          </a:p>
+        </p:txBody>
+      </p:sp>
+      <p:pic>
+        <p:nvPicPr>
+          <p:cNvPr id="2" name="Picture 1"/>
+          <p:cNvPicPr>
+            <a:picLocks noChangeAspect="1"/>
+          </p:cNvPicPr>
+          <p:nvPr/>
+        </p:nvPicPr>
+        <p:blipFill>
+          <a:blip r:embed="rId2">
+            <a:extLst>
+              <a:ext uri="{28A0092B-C50C-407E-A947-70E740481C1C}">
+                <a14:useLocalDpi xmlns:a14="http://schemas.microsoft.com/office/drawing/2010/main" val="0"/>
+              </a:ext>
+            </a:extLst>
+          </a:blip>
+          <a:stretch>
+            <a:fillRect/>
+          </a:stretch>
+        </p:blipFill>
+        <p:spPr>
+          <a:xfrm>
+            <a:off x="627991" y="741316"/>
+            <a:ext cx="3668687" cy="2751515"/>
+          </a:xfrm>
+          <a:prstGeom prst="rect">
+            <a:avLst/>
+          </a:prstGeom>
+        </p:spPr>
+      </p:pic>
+      <p:pic>
+        <p:nvPicPr>
+          <p:cNvPr id="3" name="Picture 2"/>
+          <p:cNvPicPr>
+            <a:picLocks noChangeAspect="1"/>
+          </p:cNvPicPr>
+          <p:nvPr/>
+        </p:nvPicPr>
+        <p:blipFill>
+          <a:blip r:embed="rId3">
+            <a:extLst>
+              <a:ext uri="{28A0092B-C50C-407E-A947-70E740481C1C}">
+                <a14:useLocalDpi xmlns:a14="http://schemas.microsoft.com/office/drawing/2010/main" val="0"/>
+              </a:ext>
+            </a:extLst>
+          </a:blip>
+          <a:stretch>
+            <a:fillRect/>
+          </a:stretch>
+        </p:blipFill>
+        <p:spPr>
+          <a:xfrm>
+            <a:off x="5065486" y="762000"/>
+            <a:ext cx="3641108" cy="2730831"/>
+          </a:xfrm>
+          <a:prstGeom prst="rect">
+            <a:avLst/>
+          </a:prstGeom>
+        </p:spPr>
+      </p:pic>
+      <p:pic>
+        <p:nvPicPr>
+          <p:cNvPr id="13" name="Picture 12"/>
+          <p:cNvPicPr>
+            <a:picLocks noChangeAspect="1"/>
+          </p:cNvPicPr>
+          <p:nvPr/>
+        </p:nvPicPr>
+        <p:blipFill>
+          <a:blip r:embed="rId4">
+            <a:extLst>
+              <a:ext uri="{28A0092B-C50C-407E-A947-70E740481C1C}">
+                <a14:useLocalDpi xmlns:a14="http://schemas.microsoft.com/office/drawing/2010/main" val="0"/>
+              </a:ext>
+            </a:extLst>
+          </a:blip>
+          <a:stretch>
+            <a:fillRect/>
+          </a:stretch>
+        </p:blipFill>
+        <p:spPr>
+          <a:xfrm>
+            <a:off x="699839" y="3722910"/>
+            <a:ext cx="3641108" cy="2730831"/>
+          </a:xfrm>
+          <a:prstGeom prst="rect">
+            <a:avLst/>
+          </a:prstGeom>
+        </p:spPr>
+      </p:pic>
+      <p:pic>
+        <p:nvPicPr>
+          <p:cNvPr id="14" name="Picture 13"/>
+          <p:cNvPicPr>
+            <a:picLocks noChangeAspect="1"/>
+          </p:cNvPicPr>
+          <p:nvPr/>
+        </p:nvPicPr>
+        <p:blipFill>
+          <a:blip r:embed="rId5">
+            <a:extLst>
+              <a:ext uri="{28A0092B-C50C-407E-A947-70E740481C1C}">
+                <a14:useLocalDpi xmlns:a14="http://schemas.microsoft.com/office/drawing/2010/main" val="0"/>
+              </a:ext>
+            </a:extLst>
+          </a:blip>
+          <a:stretch>
+            <a:fillRect/>
+          </a:stretch>
+        </p:blipFill>
+        <p:spPr>
+          <a:xfrm>
+            <a:off x="5065486" y="3722909"/>
+            <a:ext cx="3641108" cy="2730831"/>
+          </a:xfrm>
+          <a:prstGeom prst="rect">
+            <a:avLst/>
+          </a:prstGeom>
+        </p:spPr>
+      </p:pic>
+    </p:spTree>
+    <p:extLst>
+      <p:ext uri="{BB962C8B-B14F-4D97-AF65-F5344CB8AC3E}">
+        <p14:creationId xmlns:p14="http://schemas.microsoft.com/office/powerpoint/2010/main" val="786895324"/>
+      </p:ext>
+    </p:extLst>
+  </p:cSld>
+  <p:clrMapOvr>
+    <a:masterClrMapping/>
+  </p:clrMapOvr>
+  <p:timing>
+    <p:tnLst>
+      <p:par>
+        <p:cTn id="1" dur="indefinite" restart="never" nodeType="tmRoot"/>
+      </p:par>
+    </p:tnLst>
+  </p:timing>
+</p:sld>
+</file>
+
+<file path=ppt/slides/slide26.xml><?xml version="1.0" encoding="utf-8"?>
+<p:sld xmlns:a="http://schemas.openxmlformats.org/drawingml/2006/main" xmlns:r="http://schemas.openxmlformats.org/officeDocument/2006/relationships" xmlns:p="http://schemas.openxmlformats.org/presentationml/2006/main">
+  <p:cSld>
+    <p:spTree>
+      <p:nvGrpSpPr>
+        <p:cNvPr id="1" name=""/>
+        <p:cNvGrpSpPr/>
+        <p:nvPr/>
+      </p:nvGrpSpPr>
+      <p:grpSpPr>
+        <a:xfrm>
+          <a:off x="0" y="0"/>
+          <a:ext cx="0" cy="0"/>
+          <a:chOff x="0" y="0"/>
+          <a:chExt cx="0" cy="0"/>
+        </a:xfrm>
+      </p:grpSpPr>
+      <p:sp>
+        <p:nvSpPr>
+          <p:cNvPr id="4" name="TextBox 3"/>
+          <p:cNvSpPr txBox="1"/>
+          <p:nvPr/>
+        </p:nvSpPr>
+        <p:spPr>
+          <a:xfrm>
+            <a:off x="1593668" y="326571"/>
+            <a:ext cx="1298304" cy="369332"/>
+          </a:xfrm>
+          <a:prstGeom prst="rect">
+            <a:avLst/>
+          </a:prstGeom>
+          <a:noFill/>
+        </p:spPr>
+        <p:txBody>
+          <a:bodyPr wrap="none" rtlCol="0">
+            <a:spAutoFit/>
+          </a:bodyPr>
+          <a:lstStyle/>
+          <a:p>
+            <a:r>
+              <a:rPr lang="en-US" smtClean="0"/>
+              <a:t>imagination</a:t>
+            </a:r>
+            <a:endParaRPr lang="en-US"/>
+          </a:p>
+        </p:txBody>
+      </p:sp>
+      <p:sp>
+        <p:nvSpPr>
+          <p:cNvPr id="5" name="TextBox 4"/>
+          <p:cNvSpPr txBox="1"/>
+          <p:nvPr/>
+        </p:nvSpPr>
+        <p:spPr>
+          <a:xfrm>
+            <a:off x="6723017" y="326571"/>
+            <a:ext cx="1206484" cy="369332"/>
+          </a:xfrm>
+          <a:prstGeom prst="rect">
+            <a:avLst/>
+          </a:prstGeom>
+          <a:noFill/>
+        </p:spPr>
+        <p:txBody>
+          <a:bodyPr wrap="none" rtlCol="0">
+            <a:spAutoFit/>
+          </a:bodyPr>
+          <a:lstStyle/>
+          <a:p>
+            <a:r>
+              <a:rPr lang="en-US" dirty="0" smtClean="0"/>
+              <a:t>perception</a:t>
+            </a:r>
+            <a:endParaRPr lang="en-US" dirty="0"/>
+          </a:p>
+        </p:txBody>
+      </p:sp>
+      <p:sp>
+        <p:nvSpPr>
+          <p:cNvPr id="6" name="TextBox 5"/>
+          <p:cNvSpPr txBox="1"/>
+          <p:nvPr/>
+        </p:nvSpPr>
+        <p:spPr>
+          <a:xfrm rot="16200000">
+            <a:off x="-96521" y="2024742"/>
+            <a:ext cx="870688" cy="369332"/>
+          </a:xfrm>
+          <a:prstGeom prst="rect">
+            <a:avLst/>
+          </a:prstGeom>
+          <a:noFill/>
+        </p:spPr>
+        <p:txBody>
+          <a:bodyPr wrap="none" rtlCol="0">
+            <a:spAutoFit/>
+          </a:bodyPr>
+          <a:lstStyle/>
+          <a:p>
+            <a:r>
+              <a:rPr lang="en-US" smtClean="0"/>
+              <a:t>rhythm</a:t>
+            </a:r>
+            <a:endParaRPr lang="en-US" dirty="0"/>
+          </a:p>
+        </p:txBody>
+      </p:sp>
+      <p:sp>
+        <p:nvSpPr>
+          <p:cNvPr id="7" name="TextBox 6"/>
+          <p:cNvSpPr txBox="1"/>
+          <p:nvPr/>
+        </p:nvSpPr>
+        <p:spPr>
+          <a:xfrm rot="16200000">
+            <a:off x="-84531" y="5368836"/>
+            <a:ext cx="846707" cy="369332"/>
+          </a:xfrm>
+          <a:prstGeom prst="rect">
+            <a:avLst/>
+          </a:prstGeom>
+          <a:noFill/>
+        </p:spPr>
+        <p:txBody>
+          <a:bodyPr wrap="none" rtlCol="0">
+            <a:spAutoFit/>
+          </a:bodyPr>
+          <a:lstStyle/>
+          <a:p>
+            <a:r>
+              <a:rPr lang="en-US" smtClean="0"/>
+              <a:t>speech</a:t>
+            </a:r>
+          </a:p>
+        </p:txBody>
+      </p:sp>
+      <p:sp>
+        <p:nvSpPr>
+          <p:cNvPr id="12" name="TextBox 11"/>
+          <p:cNvSpPr txBox="1"/>
+          <p:nvPr/>
+        </p:nvSpPr>
+        <p:spPr>
+          <a:xfrm>
+            <a:off x="3940654" y="141905"/>
+            <a:ext cx="455574" cy="369332"/>
+          </a:xfrm>
+          <a:prstGeom prst="rect">
+            <a:avLst/>
+          </a:prstGeom>
+          <a:noFill/>
+        </p:spPr>
+        <p:txBody>
+          <a:bodyPr wrap="none" rtlCol="0">
+            <a:spAutoFit/>
+          </a:bodyPr>
+          <a:lstStyle/>
+          <a:p>
+            <a:r>
+              <a:rPr lang="en-US" dirty="0" smtClean="0"/>
+              <a:t>No</a:t>
+            </a:r>
+            <a:endParaRPr lang="en-US" dirty="0"/>
+          </a:p>
+        </p:txBody>
+      </p:sp>
+      <p:pic>
+        <p:nvPicPr>
+          <p:cNvPr id="2" name="Picture 1"/>
+          <p:cNvPicPr>
+            <a:picLocks noChangeAspect="1"/>
+          </p:cNvPicPr>
+          <p:nvPr/>
+        </p:nvPicPr>
+        <p:blipFill>
+          <a:blip r:embed="rId2">
+            <a:extLst>
+              <a:ext uri="{28A0092B-C50C-407E-A947-70E740481C1C}">
+                <a14:useLocalDpi xmlns:a14="http://schemas.microsoft.com/office/drawing/2010/main" val="0"/>
+              </a:ext>
+            </a:extLst>
+          </a:blip>
+          <a:stretch>
+            <a:fillRect/>
+          </a:stretch>
+        </p:blipFill>
+        <p:spPr>
+          <a:xfrm>
+            <a:off x="727541" y="695903"/>
+            <a:ext cx="3668687" cy="2751515"/>
+          </a:xfrm>
+          <a:prstGeom prst="rect">
+            <a:avLst/>
+          </a:prstGeom>
+        </p:spPr>
+      </p:pic>
+      <p:pic>
+        <p:nvPicPr>
+          <p:cNvPr id="3" name="Picture 2"/>
+          <p:cNvPicPr>
+            <a:picLocks noChangeAspect="1"/>
+          </p:cNvPicPr>
+          <p:nvPr/>
+        </p:nvPicPr>
+        <p:blipFill>
+          <a:blip r:embed="rId3">
+            <a:extLst>
+              <a:ext uri="{28A0092B-C50C-407E-A947-70E740481C1C}">
+                <a14:useLocalDpi xmlns:a14="http://schemas.microsoft.com/office/drawing/2010/main" val="0"/>
+              </a:ext>
+            </a:extLst>
+          </a:blip>
+          <a:stretch>
+            <a:fillRect/>
+          </a:stretch>
+        </p:blipFill>
+        <p:spPr>
+          <a:xfrm>
+            <a:off x="4932738" y="762000"/>
+            <a:ext cx="3580557" cy="2685418"/>
+          </a:xfrm>
+          <a:prstGeom prst="rect">
+            <a:avLst/>
+          </a:prstGeom>
+        </p:spPr>
+      </p:pic>
+      <p:pic>
+        <p:nvPicPr>
+          <p:cNvPr id="13" name="Picture 12"/>
+          <p:cNvPicPr>
+            <a:picLocks noChangeAspect="1"/>
+          </p:cNvPicPr>
+          <p:nvPr/>
+        </p:nvPicPr>
+        <p:blipFill>
+          <a:blip r:embed="rId4">
+            <a:extLst>
+              <a:ext uri="{28A0092B-C50C-407E-A947-70E740481C1C}">
+                <a14:useLocalDpi xmlns:a14="http://schemas.microsoft.com/office/drawing/2010/main" val="0"/>
+              </a:ext>
+            </a:extLst>
+          </a:blip>
+          <a:stretch>
+            <a:fillRect/>
+          </a:stretch>
+        </p:blipFill>
+        <p:spPr>
+          <a:xfrm>
+            <a:off x="815671" y="3787439"/>
+            <a:ext cx="3580557" cy="2685418"/>
+          </a:xfrm>
+          <a:prstGeom prst="rect">
+            <a:avLst/>
+          </a:prstGeom>
+        </p:spPr>
+      </p:pic>
+      <p:pic>
+        <p:nvPicPr>
+          <p:cNvPr id="14" name="Picture 13"/>
+          <p:cNvPicPr>
+            <a:picLocks noChangeAspect="1"/>
+          </p:cNvPicPr>
+          <p:nvPr/>
+        </p:nvPicPr>
+        <p:blipFill>
+          <a:blip r:embed="rId5">
+            <a:extLst>
+              <a:ext uri="{28A0092B-C50C-407E-A947-70E740481C1C}">
+                <a14:useLocalDpi xmlns:a14="http://schemas.microsoft.com/office/drawing/2010/main" val="0"/>
+              </a:ext>
+            </a:extLst>
+          </a:blip>
+          <a:stretch>
+            <a:fillRect/>
+          </a:stretch>
+        </p:blipFill>
+        <p:spPr>
+          <a:xfrm>
+            <a:off x="4932738" y="3787439"/>
+            <a:ext cx="3580557" cy="2685418"/>
+          </a:xfrm>
+          <a:prstGeom prst="rect">
+            <a:avLst/>
+          </a:prstGeom>
+        </p:spPr>
+      </p:pic>
+    </p:spTree>
+    <p:extLst>
+      <p:ext uri="{BB962C8B-B14F-4D97-AF65-F5344CB8AC3E}">
+        <p14:creationId xmlns:p14="http://schemas.microsoft.com/office/powerpoint/2010/main" val="246682704"/>
+      </p:ext>
+    </p:extLst>
+  </p:cSld>
+  <p:clrMapOvr>
+    <a:masterClrMapping/>
+  </p:clrMapOvr>
+  <p:timing>
+    <p:tnLst>
+      <p:par>
+        <p:cTn id="1" dur="indefinite" restart="never" nodeType="tmRoot"/>
+      </p:par>
+    </p:tnLst>
+  </p:timing>
+</p:sld>
+</file>
+
+<file path=ppt/slides/slide27.xml><?xml version="1.0" encoding="utf-8"?>
+<p:sld xmlns:a="http://schemas.openxmlformats.org/drawingml/2006/main" xmlns:r="http://schemas.openxmlformats.org/officeDocument/2006/relationships" xmlns:p="http://schemas.openxmlformats.org/presentationml/2006/main">
+  <p:cSld>
+    <p:spTree>
+      <p:nvGrpSpPr>
+        <p:cNvPr id="1" name=""/>
+        <p:cNvGrpSpPr/>
+        <p:nvPr/>
+      </p:nvGrpSpPr>
+      <p:grpSpPr>
+        <a:xfrm>
+          <a:off x="0" y="0"/>
+          <a:ext cx="0" cy="0"/>
+          <a:chOff x="0" y="0"/>
+          <a:chExt cx="0" cy="0"/>
+        </a:xfrm>
+      </p:grpSpPr>
+      <p:sp>
+        <p:nvSpPr>
+          <p:cNvPr id="4" name="TextBox 3"/>
+          <p:cNvSpPr txBox="1"/>
+          <p:nvPr/>
+        </p:nvSpPr>
+        <p:spPr>
+          <a:xfrm>
+            <a:off x="1593668" y="326571"/>
+            <a:ext cx="1298304" cy="369332"/>
+          </a:xfrm>
+          <a:prstGeom prst="rect">
+            <a:avLst/>
+          </a:prstGeom>
+          <a:noFill/>
+        </p:spPr>
+        <p:txBody>
+          <a:bodyPr wrap="none" rtlCol="0">
+            <a:spAutoFit/>
+          </a:bodyPr>
+          <a:lstStyle/>
+          <a:p>
+            <a:r>
+              <a:rPr lang="en-US" smtClean="0"/>
+              <a:t>imagination</a:t>
+            </a:r>
+            <a:endParaRPr lang="en-US"/>
+          </a:p>
+        </p:txBody>
+      </p:sp>
+      <p:sp>
+        <p:nvSpPr>
+          <p:cNvPr id="5" name="TextBox 4"/>
+          <p:cNvSpPr txBox="1"/>
+          <p:nvPr/>
+        </p:nvSpPr>
+        <p:spPr>
+          <a:xfrm>
+            <a:off x="6723017" y="326571"/>
+            <a:ext cx="1206484" cy="369332"/>
+          </a:xfrm>
+          <a:prstGeom prst="rect">
+            <a:avLst/>
+          </a:prstGeom>
+          <a:noFill/>
+        </p:spPr>
+        <p:txBody>
+          <a:bodyPr wrap="none" rtlCol="0">
+            <a:spAutoFit/>
+          </a:bodyPr>
+          <a:lstStyle/>
+          <a:p>
+            <a:r>
+              <a:rPr lang="en-US" dirty="0" smtClean="0"/>
+              <a:t>perception</a:t>
+            </a:r>
+            <a:endParaRPr lang="en-US" dirty="0"/>
+          </a:p>
+        </p:txBody>
+      </p:sp>
+      <p:sp>
+        <p:nvSpPr>
+          <p:cNvPr id="6" name="TextBox 5"/>
+          <p:cNvSpPr txBox="1"/>
+          <p:nvPr/>
+        </p:nvSpPr>
+        <p:spPr>
+          <a:xfrm rot="16200000">
+            <a:off x="-96521" y="2024742"/>
+            <a:ext cx="870688" cy="369332"/>
+          </a:xfrm>
+          <a:prstGeom prst="rect">
+            <a:avLst/>
+          </a:prstGeom>
+          <a:noFill/>
+        </p:spPr>
+        <p:txBody>
+          <a:bodyPr wrap="none" rtlCol="0">
+            <a:spAutoFit/>
+          </a:bodyPr>
+          <a:lstStyle/>
+          <a:p>
+            <a:r>
+              <a:rPr lang="en-US" smtClean="0"/>
+              <a:t>rhythm</a:t>
+            </a:r>
+            <a:endParaRPr lang="en-US" dirty="0"/>
+          </a:p>
+        </p:txBody>
+      </p:sp>
+      <p:sp>
+        <p:nvSpPr>
+          <p:cNvPr id="7" name="TextBox 6"/>
+          <p:cNvSpPr txBox="1"/>
+          <p:nvPr/>
+        </p:nvSpPr>
+        <p:spPr>
+          <a:xfrm rot="16200000">
+            <a:off x="-84531" y="5368836"/>
+            <a:ext cx="846707" cy="369332"/>
+          </a:xfrm>
+          <a:prstGeom prst="rect">
+            <a:avLst/>
+          </a:prstGeom>
+          <a:noFill/>
+        </p:spPr>
+        <p:txBody>
+          <a:bodyPr wrap="none" rtlCol="0">
+            <a:spAutoFit/>
+          </a:bodyPr>
+          <a:lstStyle/>
+          <a:p>
+            <a:r>
+              <a:rPr lang="en-US" smtClean="0"/>
+              <a:t>speech</a:t>
+            </a:r>
+          </a:p>
+        </p:txBody>
+      </p:sp>
+      <p:sp>
+        <p:nvSpPr>
+          <p:cNvPr id="12" name="TextBox 11"/>
+          <p:cNvSpPr txBox="1"/>
+          <p:nvPr/>
+        </p:nvSpPr>
+        <p:spPr>
+          <a:xfrm>
+            <a:off x="3940654" y="141905"/>
+            <a:ext cx="485646" cy="369332"/>
+          </a:xfrm>
+          <a:prstGeom prst="rect">
+            <a:avLst/>
+          </a:prstGeom>
+          <a:noFill/>
+        </p:spPr>
+        <p:txBody>
+          <a:bodyPr wrap="none" rtlCol="0">
+            <a:spAutoFit/>
+          </a:bodyPr>
+          <a:lstStyle/>
+          <a:p>
+            <a:r>
+              <a:rPr lang="en-US" dirty="0" smtClean="0"/>
+              <a:t>Yes</a:t>
+            </a:r>
+            <a:endParaRPr lang="en-US" dirty="0"/>
+          </a:p>
+        </p:txBody>
+      </p:sp>
+      <p:pic>
+        <p:nvPicPr>
+          <p:cNvPr id="2" name="Picture 1"/>
+          <p:cNvPicPr>
+            <a:picLocks noChangeAspect="1"/>
+          </p:cNvPicPr>
+          <p:nvPr/>
+        </p:nvPicPr>
+        <p:blipFill>
+          <a:blip r:embed="rId2">
+            <a:extLst>
+              <a:ext uri="{28A0092B-C50C-407E-A947-70E740481C1C}">
+                <a14:useLocalDpi xmlns:a14="http://schemas.microsoft.com/office/drawing/2010/main" val="0"/>
+              </a:ext>
+            </a:extLst>
+          </a:blip>
+          <a:stretch>
+            <a:fillRect/>
+          </a:stretch>
+        </p:blipFill>
+        <p:spPr>
+          <a:xfrm>
+            <a:off x="757613" y="786729"/>
+            <a:ext cx="3668687" cy="2751515"/>
+          </a:xfrm>
+          <a:prstGeom prst="rect">
+            <a:avLst/>
+          </a:prstGeom>
+        </p:spPr>
+      </p:pic>
+      <p:pic>
+        <p:nvPicPr>
+          <p:cNvPr id="3" name="Picture 2"/>
+          <p:cNvPicPr>
+            <a:picLocks noChangeAspect="1"/>
+          </p:cNvPicPr>
+          <p:nvPr/>
+        </p:nvPicPr>
+        <p:blipFill>
+          <a:blip r:embed="rId3">
+            <a:extLst>
+              <a:ext uri="{28A0092B-C50C-407E-A947-70E740481C1C}">
+                <a14:useLocalDpi xmlns:a14="http://schemas.microsoft.com/office/drawing/2010/main" val="0"/>
+              </a:ext>
+            </a:extLst>
+          </a:blip>
+          <a:stretch>
+            <a:fillRect/>
+          </a:stretch>
+        </p:blipFill>
+        <p:spPr>
+          <a:xfrm>
+            <a:off x="4974046" y="786729"/>
+            <a:ext cx="3701659" cy="2776244"/>
+          </a:xfrm>
+          <a:prstGeom prst="rect">
+            <a:avLst/>
+          </a:prstGeom>
+        </p:spPr>
+      </p:pic>
+      <p:pic>
+        <p:nvPicPr>
+          <p:cNvPr id="13" name="Picture 12"/>
+          <p:cNvPicPr>
+            <a:picLocks noChangeAspect="1"/>
+          </p:cNvPicPr>
+          <p:nvPr/>
+        </p:nvPicPr>
+        <p:blipFill>
+          <a:blip r:embed="rId4">
+            <a:extLst>
+              <a:ext uri="{28A0092B-C50C-407E-A947-70E740481C1C}">
+                <a14:useLocalDpi xmlns:a14="http://schemas.microsoft.com/office/drawing/2010/main" val="0"/>
+              </a:ext>
+            </a:extLst>
+          </a:blip>
+          <a:stretch>
+            <a:fillRect/>
+          </a:stretch>
+        </p:blipFill>
+        <p:spPr>
+          <a:xfrm>
+            <a:off x="757613" y="3813736"/>
+            <a:ext cx="3701659" cy="2776244"/>
+          </a:xfrm>
+          <a:prstGeom prst="rect">
+            <a:avLst/>
+          </a:prstGeom>
+        </p:spPr>
+      </p:pic>
+      <p:pic>
+        <p:nvPicPr>
+          <p:cNvPr id="14" name="Picture 13"/>
+          <p:cNvPicPr>
+            <a:picLocks noChangeAspect="1"/>
+          </p:cNvPicPr>
+          <p:nvPr/>
+        </p:nvPicPr>
+        <p:blipFill>
+          <a:blip r:embed="rId5">
+            <a:extLst>
+              <a:ext uri="{28A0092B-C50C-407E-A947-70E740481C1C}">
+                <a14:useLocalDpi xmlns:a14="http://schemas.microsoft.com/office/drawing/2010/main" val="0"/>
+              </a:ext>
+            </a:extLst>
+          </a:blip>
+          <a:stretch>
+            <a:fillRect/>
+          </a:stretch>
+        </p:blipFill>
+        <p:spPr>
+          <a:xfrm>
+            <a:off x="4974045" y="3813736"/>
+            <a:ext cx="3701659" cy="2776244"/>
+          </a:xfrm>
+          <a:prstGeom prst="rect">
+            <a:avLst/>
+          </a:prstGeom>
+        </p:spPr>
+      </p:pic>
+    </p:spTree>
+    <p:extLst>
+      <p:ext uri="{BB962C8B-B14F-4D97-AF65-F5344CB8AC3E}">
+        <p14:creationId xmlns:p14="http://schemas.microsoft.com/office/powerpoint/2010/main" val="998184897"/>
+      </p:ext>
+    </p:extLst>
+  </p:cSld>
+  <p:clrMapOvr>
+    <a:masterClrMapping/>
+  </p:clrMapOvr>
+  <p:timing>
+    <p:tnLst>
+      <p:par>
+        <p:cTn id="1" dur="indefinite" restart="never" nodeType="tmRoot"/>
+      </p:par>
+    </p:tnLst>
+  </p:timing>
+</p:sld>
+</file>
+
+<file path=ppt/slides/slide28.xml><?xml version="1.0" encoding="utf-8"?>
+<p:sld xmlns:a="http://schemas.openxmlformats.org/drawingml/2006/main" xmlns:r="http://schemas.openxmlformats.org/officeDocument/2006/relationships" xmlns:p="http://schemas.openxmlformats.org/presentationml/2006/main">
+  <p:cSld>
+    <p:spTree>
+      <p:nvGrpSpPr>
+        <p:cNvPr id="1" name=""/>
+        <p:cNvGrpSpPr/>
+        <p:nvPr/>
+      </p:nvGrpSpPr>
+      <p:grpSpPr>
+        <a:xfrm>
+          <a:off x="0" y="0"/>
+          <a:ext cx="0" cy="0"/>
+          <a:chOff x="0" y="0"/>
+          <a:chExt cx="0" cy="0"/>
+        </a:xfrm>
+      </p:grpSpPr>
+      <p:sp>
+        <p:nvSpPr>
+          <p:cNvPr id="2" name="Title 1"/>
+          <p:cNvSpPr>
+            <a:spLocks noGrp="1"/>
+          </p:cNvSpPr>
+          <p:nvPr>
+            <p:ph type="title"/>
+          </p:nvPr>
+        </p:nvSpPr>
+        <p:spPr/>
+        <p:txBody>
+          <a:bodyPr/>
+          <a:lstStyle/>
+          <a:p>
+            <a:r>
+              <a:rPr lang="en-US" dirty="0" smtClean="0"/>
+              <a:t>Thank you</a:t>
+            </a:r>
+            <a:endParaRPr lang="en-US" dirty="0"/>
+          </a:p>
+        </p:txBody>
+      </p:sp>
+      <p:sp>
+        <p:nvSpPr>
+          <p:cNvPr id="3" name="Content Placeholder 2"/>
+          <p:cNvSpPr>
+            <a:spLocks noGrp="1"/>
+          </p:cNvSpPr>
+          <p:nvPr>
+            <p:ph idx="1"/>
+          </p:nvPr>
+        </p:nvSpPr>
+        <p:spPr/>
+        <p:txBody>
+          <a:bodyPr/>
+          <a:lstStyle/>
+          <a:p>
+            <a:endParaRPr lang="en-US"/>
+          </a:p>
+        </p:txBody>
+      </p:sp>
+    </p:spTree>
+    <p:extLst>
+      <p:ext uri="{BB962C8B-B14F-4D97-AF65-F5344CB8AC3E}">
+        <p14:creationId xmlns:p14="http://schemas.microsoft.com/office/powerpoint/2010/main" val="1143376947"/>
+      </p:ext>
+    </p:extLst>
+  </p:cSld>
+  <p:clrMapOvr>
+    <a:masterClrMapping/>
+  </p:clrMapOvr>
+  <p:timing>
+    <p:tnLst>
+      <p:par>
+        <p:cTn id="1" dur="indefinite" restart="never" nodeType="tmRoot"/>
+      </p:par>
+    </p:tnLst>
+  </p:timing>
+</p:sld>
+</file>
+
+<file path=ppt/slides/slide29.xml><?xml version="1.0" encoding="utf-8"?>
 <p:sld xmlns:a="http://schemas.openxmlformats.org/drawingml/2006/main" xmlns:r="http://schemas.openxmlformats.org/officeDocument/2006/relationships" xmlns:p="http://schemas.openxmlformats.org/presentationml/2006/main" show="0">
   <p:cSld>
     <p:spTree>
@@ -5574,6 +7807,165 @@
         </p:nvSpPr>
         <p:spPr/>
         <p:txBody>
+          <a:bodyPr/>
+          <a:lstStyle/>
+          <a:p>
+            <a:r>
+              <a:rPr lang="en-US" dirty="0" smtClean="0"/>
+              <a:t>AD + memories</a:t>
+            </a:r>
+            <a:endParaRPr lang="en-US" dirty="0"/>
+          </a:p>
+        </p:txBody>
+      </p:sp>
+      <p:sp>
+        <p:nvSpPr>
+          <p:cNvPr id="3" name="Content Placeholder 2"/>
+          <p:cNvSpPr>
+            <a:spLocks noGrp="1"/>
+          </p:cNvSpPr>
+          <p:nvPr>
+            <p:ph idx="1"/>
+          </p:nvPr>
+        </p:nvSpPr>
+        <p:spPr/>
+        <p:txBody>
+          <a:bodyPr/>
+          <a:lstStyle/>
+          <a:p>
+            <a:r>
+              <a:rPr lang="en-US" dirty="0" smtClean="0"/>
+              <a:t>Music can be used as a memory aid in AD </a:t>
+            </a:r>
+          </a:p>
+          <a:p>
+            <a:pPr lvl="1"/>
+            <a:r>
+              <a:rPr lang="en-US" dirty="0" smtClean="0"/>
+              <a:t>Learning new song lyrics </a:t>
+            </a:r>
+            <a:r>
+              <a:rPr lang="en-US" sz="1400" dirty="0" smtClean="0"/>
+              <a:t>(</a:t>
+            </a:r>
+            <a:r>
+              <a:rPr lang="en-US" sz="1400" dirty="0" err="1" smtClean="0"/>
+              <a:t>Moussard</a:t>
+            </a:r>
+            <a:r>
+              <a:rPr lang="en-US" sz="1400" dirty="0" smtClean="0"/>
+              <a:t> et al, 2012 &amp; 2014; Simmons-Stern et al, 2010 &amp; 2012)</a:t>
+            </a:r>
+          </a:p>
+          <a:p>
+            <a:endParaRPr lang="en-US" dirty="0" smtClean="0"/>
+          </a:p>
+          <a:p>
+            <a:r>
+              <a:rPr lang="en-US" dirty="0" smtClean="0"/>
+              <a:t>Autobiographical memories can be evoked by music</a:t>
+            </a:r>
+          </a:p>
+          <a:p>
+            <a:pPr lvl="1"/>
+            <a:r>
+              <a:rPr lang="en-US" dirty="0" smtClean="0"/>
+              <a:t>Memories are more vivid </a:t>
+            </a:r>
+            <a:r>
+              <a:rPr lang="en-US" sz="1400" dirty="0" smtClean="0"/>
+              <a:t>(</a:t>
+            </a:r>
+            <a:r>
+              <a:rPr lang="en-US" sz="1400" dirty="0" err="1" smtClean="0"/>
+              <a:t>Belfi</a:t>
+            </a:r>
+            <a:r>
+              <a:rPr lang="en-US" sz="1400" dirty="0" smtClean="0"/>
+              <a:t> et al, 2015)</a:t>
+            </a:r>
+          </a:p>
+          <a:p>
+            <a:pPr lvl="1"/>
+            <a:r>
+              <a:rPr lang="en-US" dirty="0" smtClean="0"/>
+              <a:t>Memories are more specific </a:t>
+            </a:r>
+            <a:r>
+              <a:rPr lang="en-US" sz="1400" dirty="0" smtClean="0"/>
+              <a:t>(El Haj et al, 2012)</a:t>
+            </a:r>
+          </a:p>
+          <a:p>
+            <a:pPr lvl="1"/>
+            <a:r>
+              <a:rPr lang="en-US" dirty="0" smtClean="0"/>
+              <a:t>Dorsal MPFC is involved in triggering these memories </a:t>
+            </a:r>
+            <a:r>
+              <a:rPr lang="en-US" sz="1400" dirty="0" smtClean="0"/>
+              <a:t>(Janata, 2009)</a:t>
+            </a:r>
+          </a:p>
+        </p:txBody>
+      </p:sp>
+    </p:spTree>
+    <p:extLst>
+      <p:ext uri="{BB962C8B-B14F-4D97-AF65-F5344CB8AC3E}">
+        <p14:creationId xmlns:p14="http://schemas.microsoft.com/office/powerpoint/2010/main" val="1906453432"/>
+      </p:ext>
+    </p:extLst>
+  </p:cSld>
+  <p:clrMapOvr>
+    <a:masterClrMapping/>
+  </p:clrMapOvr>
+  <mc:AlternateContent xmlns:mc="http://schemas.openxmlformats.org/markup-compatibility/2006">
+    <mc:Choice xmlns:p14="http://schemas.microsoft.com/office/powerpoint/2010/main" Requires="p14">
+      <p:transition spd="slow" p14:dur="2000"/>
+    </mc:Choice>
+    <mc:Fallback>
+      <p:transition spd="slow"/>
+    </mc:Fallback>
+  </mc:AlternateContent>
+  <p:timing>
+    <p:tnLst>
+      <p:par>
+        <p:cTn id="1" dur="indefinite" restart="never" nodeType="tmRoot"/>
+      </p:par>
+    </p:tnLst>
+  </p:timing>
+</p:sld>
+</file>
+
+<file path=ppt/slides/slide3.xml><?xml version="1.0" encoding="utf-8"?>
+<p:sld xmlns:a="http://schemas.openxmlformats.org/drawingml/2006/main" xmlns:r="http://schemas.openxmlformats.org/officeDocument/2006/relationships" xmlns:p="http://schemas.openxmlformats.org/presentationml/2006/main" show="0">
+  <p:cSld>
+    <p:spTree>
+      <p:nvGrpSpPr>
+        <p:cNvPr id="1" name=""/>
+        <p:cNvGrpSpPr/>
+        <p:nvPr/>
+      </p:nvGrpSpPr>
+      <p:grpSpPr>
+        <a:xfrm>
+          <a:off x="0" y="0"/>
+          <a:ext cx="0" cy="0"/>
+          <a:chOff x="0" y="0"/>
+          <a:chExt cx="0" cy="0"/>
+        </a:xfrm>
+      </p:grpSpPr>
+      <p:sp>
+        <p:nvSpPr>
+          <p:cNvPr id="2" name="Title 1"/>
+          <p:cNvSpPr>
+            <a:spLocks noGrp="1"/>
+          </p:cNvSpPr>
+          <p:nvPr>
+            <p:ph type="title"/>
+          </p:nvPr>
+        </p:nvSpPr>
+        <p:spPr/>
+        <p:txBody>
           <a:bodyPr>
             <a:normAutofit/>
           </a:bodyPr>
@@ -5615,7 +8007,6 @@
               <a:rPr lang="en-CA" dirty="0" smtClean="0"/>
               <a:t>Why do patient’s with Alzheimer’s disease remember lyrics to songs from their youth but may not remember the names of common objects?</a:t>
             </a:r>
-            <a:endParaRPr lang="en-CA" dirty="0" smtClean="0"/>
           </a:p>
         </p:txBody>
       </p:sp>
@@ -5719,237 +8110,7 @@
 </p:sld>
 </file>
 
-<file path=ppt/slides/slide20.xml><?xml version="1.0" encoding="utf-8"?>
-<p:sld xmlns:a="http://schemas.openxmlformats.org/drawingml/2006/main" xmlns:r="http://schemas.openxmlformats.org/officeDocument/2006/relationships" xmlns:p="http://schemas.openxmlformats.org/presentationml/2006/main">
-  <p:cSld>
-    <p:spTree>
-      <p:nvGrpSpPr>
-        <p:cNvPr id="1" name=""/>
-        <p:cNvGrpSpPr/>
-        <p:nvPr/>
-      </p:nvGrpSpPr>
-      <p:grpSpPr>
-        <a:xfrm>
-          <a:off x="0" y="0"/>
-          <a:ext cx="0" cy="0"/>
-          <a:chOff x="0" y="0"/>
-          <a:chExt cx="0" cy="0"/>
-        </a:xfrm>
-      </p:grpSpPr>
-      <p:sp>
-        <p:nvSpPr>
-          <p:cNvPr id="2" name="Title 1"/>
-          <p:cNvSpPr>
-            <a:spLocks noGrp="1"/>
-          </p:cNvSpPr>
-          <p:nvPr>
-            <p:ph type="title"/>
-          </p:nvPr>
-        </p:nvSpPr>
-        <p:spPr/>
-        <p:txBody>
-          <a:bodyPr/>
-          <a:lstStyle/>
-          <a:p>
-            <a:r>
-              <a:rPr lang="en-US" dirty="0" smtClean="0"/>
-              <a:t>Thank you</a:t>
-            </a:r>
-            <a:endParaRPr lang="en-US" dirty="0"/>
-          </a:p>
-        </p:txBody>
-      </p:sp>
-      <p:sp>
-        <p:nvSpPr>
-          <p:cNvPr id="3" name="Content Placeholder 2"/>
-          <p:cNvSpPr>
-            <a:spLocks noGrp="1"/>
-          </p:cNvSpPr>
-          <p:nvPr>
-            <p:ph idx="1"/>
-          </p:nvPr>
-        </p:nvSpPr>
-        <p:spPr/>
-        <p:txBody>
-          <a:bodyPr/>
-          <a:lstStyle/>
-          <a:p>
-            <a:endParaRPr lang="en-US"/>
-          </a:p>
-        </p:txBody>
-      </p:sp>
-    </p:spTree>
-    <p:extLst>
-      <p:ext uri="{BB962C8B-B14F-4D97-AF65-F5344CB8AC3E}">
-        <p14:creationId xmlns:p14="http://schemas.microsoft.com/office/powerpoint/2010/main" val="1143376947"/>
-      </p:ext>
-    </p:extLst>
-  </p:cSld>
-  <p:clrMapOvr>
-    <a:masterClrMapping/>
-  </p:clrMapOvr>
-  <p:timing>
-    <p:tnLst>
-      <p:par>
-        <p:cTn id="1" dur="indefinite" restart="never" nodeType="tmRoot"/>
-      </p:par>
-    </p:tnLst>
-  </p:timing>
-</p:sld>
-</file>
-
-<file path=ppt/slides/slide21.xml><?xml version="1.0" encoding="utf-8"?>
-<p:sld xmlns:a="http://schemas.openxmlformats.org/drawingml/2006/main" xmlns:r="http://schemas.openxmlformats.org/officeDocument/2006/relationships" xmlns:p="http://schemas.openxmlformats.org/presentationml/2006/main">
-  <p:cSld>
-    <p:spTree>
-      <p:nvGrpSpPr>
-        <p:cNvPr id="1" name=""/>
-        <p:cNvGrpSpPr/>
-        <p:nvPr/>
-      </p:nvGrpSpPr>
-      <p:grpSpPr>
-        <a:xfrm>
-          <a:off x="0" y="0"/>
-          <a:ext cx="0" cy="0"/>
-          <a:chOff x="0" y="0"/>
-          <a:chExt cx="0" cy="0"/>
-        </a:xfrm>
-      </p:grpSpPr>
-      <p:sp>
-        <p:nvSpPr>
-          <p:cNvPr id="2" name="Title 1"/>
-          <p:cNvSpPr>
-            <a:spLocks noGrp="1"/>
-          </p:cNvSpPr>
-          <p:nvPr>
-            <p:ph type="title"/>
-          </p:nvPr>
-        </p:nvSpPr>
-        <p:spPr/>
-        <p:txBody>
-          <a:bodyPr/>
-          <a:lstStyle/>
-          <a:p>
-            <a:r>
-              <a:rPr lang="en-US" dirty="0" smtClean="0"/>
-              <a:t>AD + memories</a:t>
-            </a:r>
-            <a:endParaRPr lang="en-US" dirty="0"/>
-          </a:p>
-        </p:txBody>
-      </p:sp>
-      <p:sp>
-        <p:nvSpPr>
-          <p:cNvPr id="3" name="Content Placeholder 2"/>
-          <p:cNvSpPr>
-            <a:spLocks noGrp="1"/>
-          </p:cNvSpPr>
-          <p:nvPr>
-            <p:ph idx="1"/>
-          </p:nvPr>
-        </p:nvSpPr>
-        <p:spPr/>
-        <p:txBody>
-          <a:bodyPr/>
-          <a:lstStyle/>
-          <a:p>
-            <a:r>
-              <a:rPr lang="en-US" dirty="0" smtClean="0"/>
-              <a:t>Music can be used as a memory aid in AD </a:t>
-            </a:r>
-          </a:p>
-          <a:p>
-            <a:pPr lvl="1"/>
-            <a:r>
-              <a:rPr lang="en-US" dirty="0" smtClean="0"/>
-              <a:t>Learning new song lyrics </a:t>
-            </a:r>
-            <a:r>
-              <a:rPr lang="en-US" sz="1400" dirty="0" smtClean="0"/>
-              <a:t>(</a:t>
-            </a:r>
-            <a:r>
-              <a:rPr lang="en-US" sz="1400" dirty="0" err="1" smtClean="0"/>
-              <a:t>Moussard</a:t>
-            </a:r>
-            <a:r>
-              <a:rPr lang="en-US" sz="1400" dirty="0" smtClean="0"/>
-              <a:t> et al, 2012 &amp; 2014; Simmons-Stern et al, 2010 &amp; 2012)</a:t>
-            </a:r>
-          </a:p>
-          <a:p>
-            <a:endParaRPr lang="en-US" dirty="0" smtClean="0"/>
-          </a:p>
-          <a:p>
-            <a:r>
-              <a:rPr lang="en-US" dirty="0" smtClean="0"/>
-              <a:t>Autobiographical memories can be evoked by music</a:t>
-            </a:r>
-          </a:p>
-          <a:p>
-            <a:pPr lvl="1"/>
-            <a:r>
-              <a:rPr lang="en-US" dirty="0" smtClean="0"/>
-              <a:t>Memories are more vivid </a:t>
-            </a:r>
-            <a:r>
-              <a:rPr lang="en-US" sz="1400" dirty="0" smtClean="0"/>
-              <a:t>(</a:t>
-            </a:r>
-            <a:r>
-              <a:rPr lang="en-US" sz="1400" dirty="0" err="1" smtClean="0"/>
-              <a:t>Belfi</a:t>
-            </a:r>
-            <a:r>
-              <a:rPr lang="en-US" sz="1400" dirty="0" smtClean="0"/>
-              <a:t> et al, 2015)</a:t>
-            </a:r>
-          </a:p>
-          <a:p>
-            <a:pPr lvl="1"/>
-            <a:r>
-              <a:rPr lang="en-US" dirty="0" smtClean="0"/>
-              <a:t>Memories are more specific </a:t>
-            </a:r>
-            <a:r>
-              <a:rPr lang="en-US" sz="1400" dirty="0" smtClean="0"/>
-              <a:t>(El Haj et al, 2012)</a:t>
-            </a:r>
-          </a:p>
-          <a:p>
-            <a:pPr lvl="1"/>
-            <a:r>
-              <a:rPr lang="en-US" dirty="0" smtClean="0"/>
-              <a:t>Dorsal MPFC is involved in triggering these memories </a:t>
-            </a:r>
-            <a:r>
-              <a:rPr lang="en-US" sz="1400" dirty="0" smtClean="0"/>
-              <a:t>(Janata, 2009)</a:t>
-            </a:r>
-          </a:p>
-        </p:txBody>
-      </p:sp>
-    </p:spTree>
-    <p:extLst>
-      <p:ext uri="{BB962C8B-B14F-4D97-AF65-F5344CB8AC3E}">
-        <p14:creationId xmlns:p14="http://schemas.microsoft.com/office/powerpoint/2010/main" val="1906453432"/>
-      </p:ext>
-    </p:extLst>
-  </p:cSld>
-  <p:clrMapOvr>
-    <a:masterClrMapping/>
-  </p:clrMapOvr>
-  <p:timing>
-    <p:tnLst>
-      <p:par>
-        <p:cTn id="1" dur="indefinite" restart="never" nodeType="tmRoot"/>
-      </p:par>
-    </p:tnLst>
-  </p:timing>
-</p:sld>
-</file>
-
-<file path=ppt/slides/slide3.xml><?xml version="1.0" encoding="utf-8"?>
+<file path=ppt/slides/slide4.xml><?xml version="1.0" encoding="utf-8"?>
 <p:sld xmlns:a="http://schemas.openxmlformats.org/drawingml/2006/main" xmlns:r="http://schemas.openxmlformats.org/officeDocument/2006/relationships" xmlns:p="http://schemas.openxmlformats.org/presentationml/2006/main" show="0">
   <p:cSld>
     <p:spTree>
@@ -6352,121 +8513,6 @@
 </p:sld>
 </file>
 
-<file path=ppt/slides/slide4.xml><?xml version="1.0" encoding="utf-8"?>
-<p:sld xmlns:a="http://schemas.openxmlformats.org/drawingml/2006/main" xmlns:r="http://schemas.openxmlformats.org/officeDocument/2006/relationships" xmlns:p="http://schemas.openxmlformats.org/presentationml/2006/main" show="0">
-  <p:cSld>
-    <p:spTree>
-      <p:nvGrpSpPr>
-        <p:cNvPr id="1" name=""/>
-        <p:cNvGrpSpPr/>
-        <p:nvPr/>
-      </p:nvGrpSpPr>
-      <p:grpSpPr>
-        <a:xfrm>
-          <a:off x="0" y="0"/>
-          <a:ext cx="0" cy="0"/>
-          <a:chOff x="0" y="0"/>
-          <a:chExt cx="0" cy="0"/>
-        </a:xfrm>
-      </p:grpSpPr>
-      <p:sp>
-        <p:nvSpPr>
-          <p:cNvPr id="2" name="Title 1"/>
-          <p:cNvSpPr>
-            <a:spLocks noGrp="1"/>
-          </p:cNvSpPr>
-          <p:nvPr>
-            <p:ph type="title"/>
-          </p:nvPr>
-        </p:nvSpPr>
-        <p:spPr/>
-        <p:txBody>
-          <a:bodyPr/>
-          <a:lstStyle/>
-          <a:p>
-            <a:r>
-              <a:rPr lang="en-US" dirty="0" smtClean="0"/>
-              <a:t>From case studies</a:t>
-            </a:r>
-            <a:r>
-              <a:rPr lang="mr-IN" dirty="0" smtClean="0"/>
-              <a:t>…</a:t>
-            </a:r>
-            <a:endParaRPr lang="en-US" dirty="0"/>
-          </a:p>
-        </p:txBody>
-      </p:sp>
-      <p:sp>
-        <p:nvSpPr>
-          <p:cNvPr id="3" name="Content Placeholder 2"/>
-          <p:cNvSpPr>
-            <a:spLocks noGrp="1"/>
-          </p:cNvSpPr>
-          <p:nvPr>
-            <p:ph idx="1"/>
-          </p:nvPr>
-        </p:nvSpPr>
-        <p:spPr/>
-        <p:txBody>
-          <a:bodyPr/>
-          <a:lstStyle/>
-          <a:p>
-            <a:r>
-              <a:rPr lang="en-US" dirty="0" smtClean="0"/>
-              <a:t>Proposed musical lexicon that “contains all the representations of the specific musical phrases to which one has been exposed during one’s lifetime” </a:t>
-            </a:r>
-            <a:r>
-              <a:rPr lang="en-US" sz="1400" dirty="0" smtClean="0"/>
-              <a:t>(</a:t>
-            </a:r>
-            <a:r>
-              <a:rPr lang="en-US" sz="1400" dirty="0" err="1" smtClean="0"/>
-              <a:t>Peretz</a:t>
-            </a:r>
-            <a:r>
-              <a:rPr lang="en-US" sz="1400" dirty="0" smtClean="0"/>
-              <a:t> &amp; Coltheart, 2003)</a:t>
-            </a:r>
-          </a:p>
-          <a:p>
-            <a:endParaRPr lang="en-US" dirty="0" smtClean="0"/>
-          </a:p>
-          <a:p>
-            <a:r>
-              <a:rPr lang="en-US" dirty="0" smtClean="0"/>
-              <a:t>The musical lexicon is separate from the verbal lexicon</a:t>
-            </a:r>
-          </a:p>
-        </p:txBody>
-      </p:sp>
-    </p:spTree>
-    <p:extLst>
-      <p:ext uri="{BB962C8B-B14F-4D97-AF65-F5344CB8AC3E}">
-        <p14:creationId xmlns:p14="http://schemas.microsoft.com/office/powerpoint/2010/main" val="388620421"/>
-      </p:ext>
-    </p:extLst>
-  </p:cSld>
-  <p:clrMapOvr>
-    <a:masterClrMapping/>
-  </p:clrMapOvr>
-  <mc:AlternateContent xmlns:mc="http://schemas.openxmlformats.org/markup-compatibility/2006">
-    <mc:Choice xmlns:p14="http://schemas.microsoft.com/office/powerpoint/2010/main" Requires="p14">
-      <p:transition spd="slow" p14:dur="2000"/>
-    </mc:Choice>
-    <mc:Fallback>
-      <p:transition spd="slow"/>
-    </mc:Fallback>
-  </mc:AlternateContent>
-  <p:timing>
-    <p:tnLst>
-      <p:par>
-        <p:cTn id="1" dur="indefinite" restart="never" nodeType="tmRoot"/>
-      </p:par>
-    </p:tnLst>
-  </p:timing>
-</p:sld>
-</file>
-
 <file path=ppt/slides/slide5.xml><?xml version="1.0" encoding="utf-8"?>
 <p:sld xmlns:a="http://schemas.openxmlformats.org/drawingml/2006/main" xmlns:r="http://schemas.openxmlformats.org/officeDocument/2006/relationships" xmlns:p="http://schemas.openxmlformats.org/presentationml/2006/main" show="0">
   <p:cSld>
@@ -6484,120 +8530,80 @@
           <a:chExt cx="0" cy="0"/>
         </a:xfrm>
       </p:grpSpPr>
-      <p:pic>
-        <p:nvPicPr>
-          <p:cNvPr id="4" name="Picture 3"/>
-          <p:cNvPicPr>
-            <a:picLocks noChangeAspect="1"/>
-          </p:cNvPicPr>
-          <p:nvPr/>
-        </p:nvPicPr>
-        <p:blipFill>
-          <a:blip r:embed="rId3">
-            <a:extLst>
-              <a:ext uri="{28A0092B-C50C-407E-A947-70E740481C1C}">
-                <a14:useLocalDpi xmlns:a14="http://schemas.microsoft.com/office/drawing/2010/main" val="0"/>
-              </a:ext>
-            </a:extLst>
-          </a:blip>
-          <a:stretch>
-            <a:fillRect/>
-          </a:stretch>
-        </p:blipFill>
-        <p:spPr>
-          <a:xfrm>
-            <a:off x="0" y="254000"/>
-            <a:ext cx="9144000" cy="6328197"/>
-          </a:xfrm>
-          <a:prstGeom prst="rect">
-            <a:avLst/>
-          </a:prstGeom>
-        </p:spPr>
-      </p:pic>
-      <p:sp>
-        <p:nvSpPr>
-          <p:cNvPr id="5" name="TextBox 4"/>
-          <p:cNvSpPr txBox="1"/>
-          <p:nvPr/>
-        </p:nvSpPr>
-        <p:spPr>
-          <a:xfrm>
-            <a:off x="3201174" y="-179"/>
-            <a:ext cx="2981778" cy="369332"/>
-          </a:xfrm>
-          <a:prstGeom prst="rect">
-            <a:avLst/>
-          </a:prstGeom>
-          <a:noFill/>
-        </p:spPr>
-        <p:txBody>
-          <a:bodyPr wrap="none" rtlCol="0">
-            <a:spAutoFit/>
-          </a:bodyPr>
-          <a:lstStyle/>
-          <a:p>
-            <a:r>
-              <a:rPr lang="en-US" dirty="0" smtClean="0">
-                <a:solidFill>
-                  <a:srgbClr val="FF0000"/>
-                </a:solidFill>
-              </a:rPr>
-              <a:t>[Music-Verbal] </a:t>
-            </a:r>
-            <a:r>
-              <a:rPr lang="en-US" dirty="0" smtClean="0">
-                <a:solidFill>
-                  <a:schemeClr val="accent1"/>
-                </a:solidFill>
-              </a:rPr>
-              <a:t>[Verbal-Music]</a:t>
-            </a:r>
-            <a:endParaRPr lang="en-US" dirty="0">
-              <a:solidFill>
-                <a:schemeClr val="accent1"/>
-              </a:solidFill>
-            </a:endParaRPr>
-          </a:p>
-        </p:txBody>
-      </p:sp>
-      <p:sp>
-        <p:nvSpPr>
-          <p:cNvPr id="6" name="TextBox 5"/>
-          <p:cNvSpPr txBox="1"/>
-          <p:nvPr/>
-        </p:nvSpPr>
-        <p:spPr>
-          <a:xfrm>
-            <a:off x="71919" y="-5305"/>
-            <a:ext cx="3129255" cy="369332"/>
-          </a:xfrm>
-          <a:prstGeom prst="rect">
-            <a:avLst/>
-          </a:prstGeom>
-          <a:noFill/>
-        </p:spPr>
-        <p:txBody>
-          <a:bodyPr wrap="none" rtlCol="0">
-            <a:spAutoFit/>
-          </a:bodyPr>
-          <a:lstStyle/>
-          <a:p>
-            <a:r>
-              <a:rPr lang="en-US" dirty="0" smtClean="0"/>
-              <a:t>Evidence for </a:t>
-            </a:r>
-            <a:r>
-              <a:rPr lang="en-US" smtClean="0"/>
-              <a:t>separate networks</a:t>
+      <p:sp>
+        <p:nvSpPr>
+          <p:cNvPr id="2" name="Title 1"/>
+          <p:cNvSpPr>
+            <a:spLocks noGrp="1"/>
+          </p:cNvSpPr>
+          <p:nvPr>
+            <p:ph type="title"/>
+          </p:nvPr>
+        </p:nvSpPr>
+        <p:spPr/>
+        <p:txBody>
+          <a:bodyPr/>
+          <a:lstStyle/>
+          <a:p>
+            <a:r>
+              <a:rPr lang="en-US" dirty="0" smtClean="0"/>
+              <a:t>From case studies</a:t>
+            </a:r>
+            <a:r>
+              <a:rPr lang="mr-IN" dirty="0" smtClean="0"/>
+              <a:t>…</a:t>
             </a:r>
             <a:endParaRPr lang="en-US" dirty="0"/>
+          </a:p>
+        </p:txBody>
+      </p:sp>
+      <p:sp>
+        <p:nvSpPr>
+          <p:cNvPr id="3" name="Content Placeholder 2"/>
+          <p:cNvSpPr>
+            <a:spLocks noGrp="1"/>
+          </p:cNvSpPr>
+          <p:nvPr>
+            <p:ph idx="1"/>
+          </p:nvPr>
+        </p:nvSpPr>
+        <p:spPr/>
+        <p:txBody>
+          <a:bodyPr/>
+          <a:lstStyle/>
+          <a:p>
+            <a:r>
+              <a:rPr lang="en-US" dirty="0" smtClean="0"/>
+              <a:t>Proposed musical lexicon that “contains all the representations of the specific musical phrases to which one has been exposed during one’s lifetime” </a:t>
+            </a:r>
+            <a:r>
+              <a:rPr lang="en-US" sz="1400" dirty="0" smtClean="0"/>
+              <a:t>(</a:t>
+            </a:r>
+            <a:r>
+              <a:rPr lang="en-US" sz="1400" dirty="0" err="1" smtClean="0"/>
+              <a:t>Peretz</a:t>
+            </a:r>
+            <a:r>
+              <a:rPr lang="en-US" sz="1400" dirty="0" smtClean="0"/>
+              <a:t> &amp; Coltheart, 2003)</a:t>
+            </a:r>
+          </a:p>
+          <a:p>
+            <a:endParaRPr lang="en-US" dirty="0" smtClean="0"/>
+          </a:p>
+          <a:p>
+            <a:r>
+              <a:rPr lang="en-US" dirty="0" smtClean="0"/>
+              <a:t>The musical lexicon is separate from the verbal lexicon</a:t>
+            </a:r>
           </a:p>
         </p:txBody>
       </p:sp>
     </p:spTree>
     <p:extLst>
       <p:ext uri="{BB962C8B-B14F-4D97-AF65-F5344CB8AC3E}">
-        <p14:creationId xmlns:p14="http://schemas.microsoft.com/office/powerpoint/2010/main" val="217959839"/>
+        <p14:creationId xmlns:p14="http://schemas.microsoft.com/office/powerpoint/2010/main" val="388620421"/>
       </p:ext>
     </p:extLst>
   </p:cSld>
@@ -6661,6 +8667,161 @@
         </p:blipFill>
         <p:spPr>
           <a:xfrm>
+            <a:off x="0" y="254000"/>
+            <a:ext cx="9144000" cy="6328197"/>
+          </a:xfrm>
+          <a:prstGeom prst="rect">
+            <a:avLst/>
+          </a:prstGeom>
+        </p:spPr>
+      </p:pic>
+      <p:sp>
+        <p:nvSpPr>
+          <p:cNvPr id="5" name="TextBox 4"/>
+          <p:cNvSpPr txBox="1"/>
+          <p:nvPr/>
+        </p:nvSpPr>
+        <p:spPr>
+          <a:xfrm>
+            <a:off x="3201174" y="-179"/>
+            <a:ext cx="2981778" cy="369332"/>
+          </a:xfrm>
+          <a:prstGeom prst="rect">
+            <a:avLst/>
+          </a:prstGeom>
+          <a:noFill/>
+        </p:spPr>
+        <p:txBody>
+          <a:bodyPr wrap="none" rtlCol="0">
+            <a:spAutoFit/>
+          </a:bodyPr>
+          <a:lstStyle/>
+          <a:p>
+            <a:r>
+              <a:rPr lang="en-US" dirty="0" smtClean="0">
+                <a:solidFill>
+                  <a:srgbClr val="FF0000"/>
+                </a:solidFill>
+              </a:rPr>
+              <a:t>[Music-Verbal] </a:t>
+            </a:r>
+            <a:r>
+              <a:rPr lang="en-US" dirty="0" smtClean="0">
+                <a:solidFill>
+                  <a:schemeClr val="accent1"/>
+                </a:solidFill>
+              </a:rPr>
+              <a:t>[Verbal-Music]</a:t>
+            </a:r>
+            <a:endParaRPr lang="en-US" dirty="0">
+              <a:solidFill>
+                <a:schemeClr val="accent1"/>
+              </a:solidFill>
+            </a:endParaRPr>
+          </a:p>
+        </p:txBody>
+      </p:sp>
+      <p:sp>
+        <p:nvSpPr>
+          <p:cNvPr id="6" name="TextBox 5"/>
+          <p:cNvSpPr txBox="1"/>
+          <p:nvPr/>
+        </p:nvSpPr>
+        <p:spPr>
+          <a:xfrm>
+            <a:off x="71919" y="-5305"/>
+            <a:ext cx="3129255" cy="369332"/>
+          </a:xfrm>
+          <a:prstGeom prst="rect">
+            <a:avLst/>
+          </a:prstGeom>
+          <a:noFill/>
+        </p:spPr>
+        <p:txBody>
+          <a:bodyPr wrap="none" rtlCol="0">
+            <a:spAutoFit/>
+          </a:bodyPr>
+          <a:lstStyle/>
+          <a:p>
+            <a:r>
+              <a:rPr lang="en-US" dirty="0" smtClean="0"/>
+              <a:t>Evidence for </a:t>
+            </a:r>
+            <a:r>
+              <a:rPr lang="en-US" smtClean="0"/>
+              <a:t>separate networks</a:t>
+            </a:r>
+            <a:endParaRPr lang="en-US" dirty="0"/>
+          </a:p>
+        </p:txBody>
+      </p:sp>
+    </p:spTree>
+    <p:extLst>
+      <p:ext uri="{BB962C8B-B14F-4D97-AF65-F5344CB8AC3E}">
+        <p14:creationId xmlns:p14="http://schemas.microsoft.com/office/powerpoint/2010/main" val="217959839"/>
+      </p:ext>
+    </p:extLst>
+  </p:cSld>
+  <p:clrMapOvr>
+    <a:masterClrMapping/>
+  </p:clrMapOvr>
+  <mc:AlternateContent xmlns:mc="http://schemas.openxmlformats.org/markup-compatibility/2006">
+    <mc:Choice xmlns:p14="http://schemas.microsoft.com/office/powerpoint/2010/main" Requires="p14">
+      <p:transition spd="slow" p14:dur="2000"/>
+    </mc:Choice>
+    <mc:Fallback>
+      <p:transition spd="slow"/>
+    </mc:Fallback>
+  </mc:AlternateContent>
+  <p:timing>
+    <p:tnLst>
+      <p:par>
+        <p:cTn id="1" dur="indefinite" restart="never" nodeType="tmRoot"/>
+      </p:par>
+    </p:tnLst>
+  </p:timing>
+</p:sld>
+</file>
+
+<file path=ppt/slides/slide7.xml><?xml version="1.0" encoding="utf-8"?>
+<p:sld xmlns:a="http://schemas.openxmlformats.org/drawingml/2006/main" xmlns:r="http://schemas.openxmlformats.org/officeDocument/2006/relationships" xmlns:p="http://schemas.openxmlformats.org/presentationml/2006/main" show="0">
+  <p:cSld>
+    <p:spTree>
+      <p:nvGrpSpPr>
+        <p:cNvPr id="1" name=""/>
+        <p:cNvGrpSpPr/>
+        <p:nvPr/>
+      </p:nvGrpSpPr>
+      <p:grpSpPr>
+        <a:xfrm>
+          <a:off x="0" y="0"/>
+          <a:ext cx="0" cy="0"/>
+          <a:chOff x="0" y="0"/>
+          <a:chExt cx="0" cy="0"/>
+        </a:xfrm>
+      </p:grpSpPr>
+      <p:pic>
+        <p:nvPicPr>
+          <p:cNvPr id="4" name="Picture 3"/>
+          <p:cNvPicPr>
+            <a:picLocks noChangeAspect="1"/>
+          </p:cNvPicPr>
+          <p:nvPr/>
+        </p:nvPicPr>
+        <p:blipFill>
+          <a:blip r:embed="rId3">
+            <a:extLst>
+              <a:ext uri="{28A0092B-C50C-407E-A947-70E740481C1C}">
+                <a14:useLocalDpi xmlns:a14="http://schemas.microsoft.com/office/drawing/2010/main" val="0"/>
+              </a:ext>
+            </a:extLst>
+          </a:blip>
+          <a:stretch>
+            <a:fillRect/>
+          </a:stretch>
+        </p:blipFill>
+        <p:spPr>
+          <a:xfrm>
             <a:off x="0" y="381000"/>
             <a:ext cx="9144000" cy="6073254"/>
           </a:xfrm>
@@ -6751,7 +8912,7 @@
 </p:sld>
 </file>
 
-<file path=ppt/slides/slide7.xml><?xml version="1.0" encoding="utf-8"?>
+<file path=ppt/slides/slide8.xml><?xml version="1.0" encoding="utf-8"?>
 <p:sld xmlns:a="http://schemas.openxmlformats.org/drawingml/2006/main" xmlns:r="http://schemas.openxmlformats.org/officeDocument/2006/relationships" xmlns:p="http://schemas.openxmlformats.org/presentationml/2006/main">
   <p:cSld>
     <p:spTree>
@@ -6819,11 +8980,7 @@
           <a:p>
             <a:r>
               <a:rPr lang="en-US" dirty="0" smtClean="0"/>
-              <a:t>Novel </a:t>
-            </a:r>
-            <a:r>
-              <a:rPr lang="en-US" dirty="0" smtClean="0"/>
-              <a:t>feature: We will train participants on unknown music</a:t>
+              <a:t>Novel feature: We will train participants on unknown music</a:t>
             </a:r>
           </a:p>
         </p:txBody>
@@ -6920,7 +9077,7 @@
 </p:sld>
 </file>
 
-<file path=ppt/slides/slide8.xml><?xml version="1.0" encoding="utf-8"?>
+<file path=ppt/slides/slide9.xml><?xml version="1.0" encoding="utf-8"?>
 <p:sld xmlns:a="http://schemas.openxmlformats.org/drawingml/2006/main" xmlns:r="http://schemas.openxmlformats.org/officeDocument/2006/relationships" xmlns:p="http://schemas.openxmlformats.org/presentationml/2006/main">
   <p:cSld>
     <p:spTree>
@@ -7017,118 +9174,6 @@
   <p:clrMapOvr>
     <a:masterClrMapping/>
   </p:clrMapOvr>
-  <p:timing>
-    <p:tnLst>
-      <p:par>
-        <p:cTn id="1" dur="indefinite" restart="never" nodeType="tmRoot"/>
-      </p:par>
-    </p:tnLst>
-  </p:timing>
-</p:sld>
-</file>
-
-<file path=ppt/slides/slide9.xml><?xml version="1.0" encoding="utf-8"?>
-<p:sld xmlns:a="http://schemas.openxmlformats.org/drawingml/2006/main" xmlns:r="http://schemas.openxmlformats.org/officeDocument/2006/relationships" xmlns:p="http://schemas.openxmlformats.org/presentationml/2006/main" show="0">
-  <p:cSld>
-    <p:spTree>
-      <p:nvGrpSpPr>
-        <p:cNvPr id="1" name=""/>
-        <p:cNvGrpSpPr/>
-        <p:nvPr/>
-      </p:nvGrpSpPr>
-      <p:grpSpPr>
-        <a:xfrm>
-          <a:off x="0" y="0"/>
-          <a:ext cx="0" cy="0"/>
-          <a:chOff x="0" y="0"/>
-          <a:chExt cx="0" cy="0"/>
-        </a:xfrm>
-      </p:grpSpPr>
-      <p:sp>
-        <p:nvSpPr>
-          <p:cNvPr id="2" name="Title 1"/>
-          <p:cNvSpPr>
-            <a:spLocks noGrp="1"/>
-          </p:cNvSpPr>
-          <p:nvPr>
-            <p:ph type="title"/>
-          </p:nvPr>
-        </p:nvSpPr>
-        <p:spPr/>
-        <p:txBody>
-          <a:bodyPr/>
-          <a:lstStyle/>
-          <a:p>
-            <a:r>
-              <a:rPr lang="en-US" dirty="0" smtClean="0"/>
-              <a:t>Project Outline</a:t>
-            </a:r>
-            <a:endParaRPr lang="en-US" dirty="0"/>
-          </a:p>
-        </p:txBody>
-      </p:sp>
-      <p:sp>
-        <p:nvSpPr>
-          <p:cNvPr id="3" name="Content Placeholder 2"/>
-          <p:cNvSpPr>
-            <a:spLocks noGrp="1"/>
-          </p:cNvSpPr>
-          <p:nvPr>
-            <p:ph idx="1"/>
-          </p:nvPr>
-        </p:nvSpPr>
-        <p:spPr/>
-        <p:txBody>
-          <a:bodyPr>
-            <a:normAutofit/>
-          </a:bodyPr>
-          <a:lstStyle/>
-          <a:p>
-            <a:r>
-              <a:rPr lang="en-US" dirty="0" smtClean="0"/>
-              <a:t>Scanning session 1</a:t>
-            </a:r>
-          </a:p>
-          <a:p>
-            <a:r>
-              <a:rPr lang="en-US" dirty="0" smtClean="0"/>
-              <a:t>Training </a:t>
-            </a:r>
-            <a:r>
-              <a:rPr lang="mr-IN" dirty="0" smtClean="0"/>
-              <a:t>–</a:t>
-            </a:r>
-            <a:r>
-              <a:rPr lang="en-US" dirty="0" smtClean="0"/>
-              <a:t> 2-3 weeks</a:t>
-            </a:r>
-          </a:p>
-          <a:p>
-            <a:r>
-              <a:rPr lang="en-US" dirty="0" smtClean="0"/>
-              <a:t>Scanning session 2</a:t>
-            </a:r>
-          </a:p>
-        </p:txBody>
-      </p:sp>
-    </p:spTree>
-    <p:extLst>
-      <p:ext uri="{BB962C8B-B14F-4D97-AF65-F5344CB8AC3E}">
-        <p14:creationId xmlns:p14="http://schemas.microsoft.com/office/powerpoint/2010/main" val="326341415"/>
-      </p:ext>
-    </p:extLst>
-  </p:cSld>
-  <p:clrMapOvr>
-    <a:masterClrMapping/>
-  </p:clrMapOvr>
-  <mc:AlternateContent xmlns:mc="http://schemas.openxmlformats.org/markup-compatibility/2006">
-    <mc:Choice xmlns:p14="http://schemas.microsoft.com/office/powerpoint/2010/main" Requires="p14">
-      <p:transition spd="slow" p14:dur="2000"/>
-    </mc:Choice>
-    <mc:Fallback>
-      <p:transition spd="slow"/>
-    </mc:Fallback>
-  </mc:AlternateContent>
   <p:timing>
     <p:tnLst>
       <p:par>

--- a/Meetings/2017.09.06-LabRetreat.pptx
+++ b/Meetings/2017.09.06-LabRetreat.pptx
@@ -137,7 +137,7 @@
   </p:defaultTextStyle>
   <p:extLst>
     <p:ext uri="{EFAFB233-063F-42B5-8137-9DF3F51BA10A}">
-      <p15:sldGuideLst xmlns:p15="http://schemas.microsoft.com/office/powerpoint/2012/main">
+      <p15:sldGuideLst xmlns:p15="http://schemas.microsoft.com/office/powerpoint/2012/main" xmlns="">
         <p15:guide id="1" orient="horz" pos="2160">
           <p15:clr>
             <a:srgbClr val="A4A3A4"/>
@@ -236,7 +236,7 @@
           <a:p>
             <a:fld id="{BE054C78-2090-C64C-9F6A-B51B239D54AE}" type="datetimeFigureOut">
               <a:rPr lang="en-US" smtClean="0"/>
-              <a:t>9/5/17</a:t>
+              <a:t>17-09-05</a:t>
             </a:fld>
             <a:endParaRPr lang="en-US"/>
           </a:p>
@@ -1326,7 +1326,7 @@
           <a:p>
             <a:fld id="{6C076DC0-26B1-5841-8BF7-BB7DFB8B1BE2}" type="datetimeFigureOut">
               <a:rPr lang="en-US" smtClean="0"/>
-              <a:t>9/5/17</a:t>
+              <a:t>17-09-05</a:t>
             </a:fld>
             <a:endParaRPr lang="en-US"/>
           </a:p>
@@ -1491,7 +1491,7 @@
           <a:p>
             <a:fld id="{6C076DC0-26B1-5841-8BF7-BB7DFB8B1BE2}" type="datetimeFigureOut">
               <a:rPr lang="en-US" smtClean="0"/>
-              <a:t>9/5/17</a:t>
+              <a:t>17-09-05</a:t>
             </a:fld>
             <a:endParaRPr lang="en-US"/>
           </a:p>
@@ -1666,7 +1666,7 @@
           <a:p>
             <a:fld id="{6C076DC0-26B1-5841-8BF7-BB7DFB8B1BE2}" type="datetimeFigureOut">
               <a:rPr lang="en-US" smtClean="0"/>
-              <a:t>9/5/17</a:t>
+              <a:t>17-09-05</a:t>
             </a:fld>
             <a:endParaRPr lang="en-US"/>
           </a:p>
@@ -1831,7 +1831,7 @@
           <a:p>
             <a:fld id="{6C076DC0-26B1-5841-8BF7-BB7DFB8B1BE2}" type="datetimeFigureOut">
               <a:rPr lang="en-US" smtClean="0"/>
-              <a:t>9/5/17</a:t>
+              <a:t>17-09-05</a:t>
             </a:fld>
             <a:endParaRPr lang="en-US"/>
           </a:p>
@@ -2070,7 +2070,7 @@
           <a:p>
             <a:fld id="{6C076DC0-26B1-5841-8BF7-BB7DFB8B1BE2}" type="datetimeFigureOut">
               <a:rPr lang="en-US" smtClean="0"/>
-              <a:t>9/5/17</a:t>
+              <a:t>17-09-05</a:t>
             </a:fld>
             <a:endParaRPr lang="en-US"/>
           </a:p>
@@ -2297,7 +2297,7 @@
           <a:p>
             <a:fld id="{6C076DC0-26B1-5841-8BF7-BB7DFB8B1BE2}" type="datetimeFigureOut">
               <a:rPr lang="en-US" smtClean="0"/>
-              <a:t>9/5/17</a:t>
+              <a:t>17-09-05</a:t>
             </a:fld>
             <a:endParaRPr lang="en-US"/>
           </a:p>
@@ -2659,7 +2659,7 @@
           <a:p>
             <a:fld id="{6C076DC0-26B1-5841-8BF7-BB7DFB8B1BE2}" type="datetimeFigureOut">
               <a:rPr lang="en-US" smtClean="0"/>
-              <a:t>9/5/17</a:t>
+              <a:t>17-09-05</a:t>
             </a:fld>
             <a:endParaRPr lang="en-US"/>
           </a:p>
@@ -2772,7 +2772,7 @@
           <a:p>
             <a:fld id="{6C076DC0-26B1-5841-8BF7-BB7DFB8B1BE2}" type="datetimeFigureOut">
               <a:rPr lang="en-US" smtClean="0"/>
-              <a:t>9/5/17</a:t>
+              <a:t>17-09-05</a:t>
             </a:fld>
             <a:endParaRPr lang="en-US"/>
           </a:p>
@@ -2862,7 +2862,7 @@
           <a:p>
             <a:fld id="{6C076DC0-26B1-5841-8BF7-BB7DFB8B1BE2}" type="datetimeFigureOut">
               <a:rPr lang="en-US" smtClean="0"/>
-              <a:t>9/5/17</a:t>
+              <a:t>17-09-05</a:t>
             </a:fld>
             <a:endParaRPr lang="en-US"/>
           </a:p>
@@ -3134,7 +3134,7 @@
           <a:p>
             <a:fld id="{6C076DC0-26B1-5841-8BF7-BB7DFB8B1BE2}" type="datetimeFigureOut">
               <a:rPr lang="en-US" smtClean="0"/>
-              <a:t>9/5/17</a:t>
+              <a:t>17-09-05</a:t>
             </a:fld>
             <a:endParaRPr lang="en-US"/>
           </a:p>
@@ -3386,7 +3386,7 @@
           <a:p>
             <a:fld id="{6C076DC0-26B1-5841-8BF7-BB7DFB8B1BE2}" type="datetimeFigureOut">
               <a:rPr lang="en-US" smtClean="0"/>
-              <a:t>9/5/17</a:t>
+              <a:t>17-09-05</a:t>
             </a:fld>
             <a:endParaRPr lang="en-US"/>
           </a:p>
@@ -3594,7 +3594,7 @@
           <a:p>
             <a:fld id="{6C076DC0-26B1-5841-8BF7-BB7DFB8B1BE2}" type="datetimeFigureOut">
               <a:rPr lang="en-US" smtClean="0"/>
-              <a:t>9/5/17</a:t>
+              <a:t>17-09-05</a:t>
             </a:fld>
             <a:endParaRPr lang="en-US"/>
           </a:p>
@@ -4064,7 +4064,7 @@
   <p:timing>
     <p:tnLst>
       <p:par>
-        <p:cTn id="1" dur="indefinite" restart="never" nodeType="tmRoot"/>
+        <p:cTn xmlns:p14="http://schemas.microsoft.com/office/powerpoint/2010/main" id="1" dur="indefinite" restart="never" nodeType="tmRoot"/>
       </p:par>
     </p:tnLst>
   </p:timing>
@@ -4170,13 +4170,13 @@
       <p:transition spd="slow" p14:dur="2000"/>
     </mc:Choice>
     <mc:Fallback>
-      <p:transition spd="slow"/>
+      <p:transition xmlns:p14="http://schemas.microsoft.com/office/powerpoint/2010/main" spd="slow"/>
     </mc:Fallback>
   </mc:AlternateContent>
   <p:timing>
     <p:tnLst>
       <p:par>
-        <p:cTn id="1" dur="indefinite" restart="never" nodeType="tmRoot"/>
+        <p:cTn xmlns:p14="http://schemas.microsoft.com/office/powerpoint/2010/main" id="1" dur="indefinite" restart="never" nodeType="tmRoot"/>
       </p:par>
     </p:tnLst>
   </p:timing>
@@ -4292,13 +4292,13 @@
       <p:transition spd="slow" p14:dur="2000"/>
     </mc:Choice>
     <mc:Fallback>
-      <p:transition spd="slow"/>
+      <p:transition xmlns:p14="http://schemas.microsoft.com/office/powerpoint/2010/main" spd="slow"/>
     </mc:Fallback>
   </mc:AlternateContent>
   <p:timing>
     <p:tnLst>
       <p:par>
-        <p:cTn id="1" dur="indefinite" restart="never" nodeType="tmRoot"/>
+        <p:cTn xmlns:p14="http://schemas.microsoft.com/office/powerpoint/2010/main" id="1" dur="indefinite" restart="never" nodeType="tmRoot"/>
       </p:par>
     </p:tnLst>
   </p:timing>
@@ -4467,13 +4467,13 @@
       <p:transition spd="slow" p14:dur="2000"/>
     </mc:Choice>
     <mc:Fallback>
-      <p:transition spd="slow"/>
+      <p:transition xmlns:p14="http://schemas.microsoft.com/office/powerpoint/2010/main" spd="slow"/>
     </mc:Fallback>
   </mc:AlternateContent>
   <p:timing>
     <p:tnLst>
       <p:par>
-        <p:cTn id="1" dur="indefinite" restart="never" nodeType="tmRoot"/>
+        <p:cTn xmlns:p14="http://schemas.microsoft.com/office/powerpoint/2010/main" id="1" dur="indefinite" restart="never" nodeType="tmRoot"/>
       </p:par>
     </p:tnLst>
   </p:timing>
@@ -4636,13 +4636,13 @@
       <p:transition spd="slow" p14:dur="2000"/>
     </mc:Choice>
     <mc:Fallback>
-      <p:transition spd="slow"/>
+      <p:transition xmlns:p14="http://schemas.microsoft.com/office/powerpoint/2010/main" spd="slow"/>
     </mc:Fallback>
   </mc:AlternateContent>
   <p:timing>
     <p:tnLst>
       <p:par>
-        <p:cTn id="1" dur="indefinite" restart="never" nodeType="tmRoot"/>
+        <p:cTn xmlns:p14="http://schemas.microsoft.com/office/powerpoint/2010/main" id="1" dur="indefinite" restart="never" nodeType="tmRoot"/>
       </p:par>
     </p:tnLst>
   </p:timing>
@@ -4813,7 +4813,7 @@
   <p:timing>
     <p:tnLst>
       <p:par>
-        <p:cTn id="1" dur="indefinite" restart="never" nodeType="tmRoot"/>
+        <p:cTn xmlns:p14="http://schemas.microsoft.com/office/powerpoint/2010/main" id="1" dur="indefinite" restart="never" nodeType="tmRoot"/>
       </p:par>
     </p:tnLst>
   </p:timing>
@@ -4907,7 +4907,7 @@
   <p:timing>
     <p:tnLst>
       <p:par>
-        <p:cTn id="1" dur="indefinite" restart="never" nodeType="tmRoot"/>
+        <p:cTn xmlns:p14="http://schemas.microsoft.com/office/powerpoint/2010/main" id="1" dur="indefinite" restart="never" nodeType="tmRoot"/>
       </p:par>
     </p:tnLst>
   </p:timing>
@@ -5002,7 +5002,7 @@
   <p:timing>
     <p:tnLst>
       <p:par>
-        <p:cTn id="1" dur="indefinite" restart="never" nodeType="tmRoot"/>
+        <p:cTn xmlns:p14="http://schemas.microsoft.com/office/powerpoint/2010/main" id="1" dur="indefinite" restart="never" nodeType="tmRoot"/>
       </p:par>
     </p:tnLst>
   </p:timing>
@@ -5097,7 +5097,7 @@
   <p:timing>
     <p:tnLst>
       <p:par>
-        <p:cTn id="1" dur="indefinite" restart="never" nodeType="tmRoot"/>
+        <p:cTn xmlns:p14="http://schemas.microsoft.com/office/powerpoint/2010/main" id="1" dur="indefinite" restart="never" nodeType="tmRoot"/>
       </p:par>
     </p:tnLst>
   </p:timing>
@@ -5249,13 +5249,13 @@
       <p:transition spd="slow" p14:dur="2000"/>
     </mc:Choice>
     <mc:Fallback>
-      <p:transition spd="slow"/>
+      <p:transition xmlns:p14="http://schemas.microsoft.com/office/powerpoint/2010/main" spd="slow"/>
     </mc:Fallback>
   </mc:AlternateContent>
   <p:timing>
     <p:tnLst>
       <p:par>
-        <p:cTn id="1" dur="indefinite" restart="never" nodeType="tmRoot">
+        <p:cTn xmlns:p14="http://schemas.microsoft.com/office/powerpoint/2010/main" id="1" dur="indefinite" restart="never" nodeType="tmRoot">
           <p:childTnLst>
             <p:seq concurrent="1" nextAc="seek">
               <p:cTn id="2" dur="indefinite" nodeType="mainSeq">
@@ -5545,7 +5545,7 @@
   <p:timing>
     <p:tnLst>
       <p:par>
-        <p:cTn id="1" dur="indefinite" restart="never" nodeType="tmRoot"/>
+        <p:cTn xmlns:p14="http://schemas.microsoft.com/office/powerpoint/2010/main" id="1" dur="indefinite" restart="never" nodeType="tmRoot"/>
       </p:par>
     </p:tnLst>
   </p:timing>
@@ -5635,6 +5635,13 @@
   <p:clrMapOvr>
     <a:masterClrMapping/>
   </p:clrMapOvr>
+  <p:timing>
+    <p:tnLst>
+      <p:par>
+        <p:cTn xmlns:p14="http://schemas.microsoft.com/office/powerpoint/2010/main" id="1" dur="indefinite" restart="never" nodeType="tmRoot"/>
+      </p:par>
+    </p:tnLst>
+  </p:timing>
 </p:sld>
 </file>
 
@@ -5739,7 +5746,7 @@
   <p:timing>
     <p:tnLst>
       <p:par>
-        <p:cTn id="1" dur="indefinite" restart="never" nodeType="tmRoot"/>
+        <p:cTn xmlns:p14="http://schemas.microsoft.com/office/powerpoint/2010/main" id="1" dur="indefinite" restart="never" nodeType="tmRoot"/>
       </p:par>
     </p:tnLst>
   </p:timing>
@@ -5833,7 +5840,7 @@
   <p:timing>
     <p:tnLst>
       <p:par>
-        <p:cTn id="1" dur="indefinite" restart="never" nodeType="tmRoot"/>
+        <p:cTn xmlns:p14="http://schemas.microsoft.com/office/powerpoint/2010/main" id="1" dur="indefinite" restart="never" nodeType="tmRoot"/>
       </p:par>
     </p:tnLst>
   </p:timing>
@@ -5983,7 +5990,7 @@
   <p:timing>
     <p:tnLst>
       <p:par>
-        <p:cTn id="1" dur="indefinite" restart="never" nodeType="tmRoot"/>
+        <p:cTn xmlns:p14="http://schemas.microsoft.com/office/powerpoint/2010/main" id="1" dur="indefinite" restart="never" nodeType="tmRoot"/>
       </p:par>
     </p:tnLst>
   </p:timing>
@@ -6188,7 +6195,7 @@
   <p:timing>
     <p:tnLst>
       <p:par>
-        <p:cTn id="1" dur="indefinite" restart="never" nodeType="tmRoot">
+        <p:cTn xmlns:p14="http://schemas.microsoft.com/office/powerpoint/2010/main" id="1" dur="indefinite" restart="never" nodeType="tmRoot">
           <p:childTnLst>
             <p:seq concurrent="1" nextAc="seek">
               <p:cTn id="2" dur="indefinite" nodeType="mainSeq">
@@ -6690,6 +6697,52 @@
           </a:p>
         </p:txBody>
       </p:sp>
+      <p:sp>
+        <p:nvSpPr>
+          <p:cNvPr id="14" name="Rectangle 13"/>
+          <p:cNvSpPr/>
+          <p:nvPr/>
+        </p:nvSpPr>
+        <p:spPr>
+          <a:xfrm>
+            <a:off x="4807494" y="905298"/>
+            <a:ext cx="3943531" cy="2608217"/>
+          </a:xfrm>
+          <a:prstGeom prst="rect">
+            <a:avLst/>
+          </a:prstGeom>
+          <a:solidFill>
+            <a:schemeClr val="bg1"/>
+          </a:solidFill>
+          <a:ln>
+            <a:noFill/>
+          </a:ln>
+        </p:spPr>
+        <p:style>
+          <a:lnRef idx="2">
+            <a:schemeClr val="accent1">
+              <a:shade val="50000"/>
+            </a:schemeClr>
+          </a:lnRef>
+          <a:fillRef idx="1">
+            <a:schemeClr val="accent1"/>
+          </a:fillRef>
+          <a:effectRef idx="0">
+            <a:schemeClr val="accent1"/>
+          </a:effectRef>
+          <a:fontRef idx="minor">
+            <a:schemeClr val="lt1"/>
+          </a:fontRef>
+        </p:style>
+        <p:txBody>
+          <a:bodyPr rtlCol="0" anchor="ctr"/>
+          <a:lstStyle/>
+          <a:p>
+            <a:pPr algn="ctr"/>
+            <a:endParaRPr lang="en-US"/>
+          </a:p>
+        </p:txBody>
+      </p:sp>
     </p:spTree>
     <p:extLst>
       <p:ext uri="{BB962C8B-B14F-4D97-AF65-F5344CB8AC3E}">
@@ -6703,7 +6756,7 @@
   <p:timing>
     <p:tnLst>
       <p:par>
-        <p:cTn id="1" dur="indefinite" restart="never" nodeType="tmRoot">
+        <p:cTn xmlns:p14="http://schemas.microsoft.com/office/powerpoint/2010/main" id="1" dur="indefinite" restart="never" nodeType="tmRoot">
           <p:childTnLst>
             <p:seq concurrent="1" nextAc="seek">
               <p:cTn id="2" dur="indefinite" nodeType="mainSeq">
@@ -6729,6 +6782,51 @@
                                     <p:set>
                                       <p:cBhvr>
                                         <p:cTn id="6" dur="1" fill="hold">
+                                          <p:stCondLst>
+                                            <p:cond delay="0"/>
+                                          </p:stCondLst>
+                                        </p:cTn>
+                                        <p:tgtEl>
+                                          <p:spTgt spid="14"/>
+                                        </p:tgtEl>
+                                        <p:attrNameLst>
+                                          <p:attrName>style.visibility</p:attrName>
+                                        </p:attrNameLst>
+                                      </p:cBhvr>
+                                      <p:to>
+                                        <p:strVal val="hidden"/>
+                                      </p:to>
+                                    </p:set>
+                                  </p:childTnLst>
+                                </p:cTn>
+                              </p:par>
+                            </p:childTnLst>
+                          </p:cTn>
+                        </p:par>
+                      </p:childTnLst>
+                    </p:cTn>
+                  </p:par>
+                  <p:par>
+                    <p:cTn id="7" fill="hold">
+                      <p:stCondLst>
+                        <p:cond delay="indefinite"/>
+                      </p:stCondLst>
+                      <p:childTnLst>
+                        <p:par>
+                          <p:cTn id="8" fill="hold">
+                            <p:stCondLst>
+                              <p:cond delay="0"/>
+                            </p:stCondLst>
+                            <p:childTnLst>
+                              <p:par>
+                                <p:cTn id="9" presetID="1" presetClass="exit" presetSubtype="0" fill="hold" grpId="0" nodeType="clickEffect">
+                                  <p:stCondLst>
+                                    <p:cond delay="0"/>
+                                  </p:stCondLst>
+                                  <p:childTnLst>
+                                    <p:set>
+                                      <p:cBhvr>
+                                        <p:cTn id="10" dur="1" fill="hold">
                                           <p:stCondLst>
                                             <p:cond delay="0"/>
                                           </p:stCondLst>
@@ -6776,6 +6874,7 @@
     </p:tnLst>
     <p:bldLst>
       <p:bldP spid="13" grpId="0" animBg="1"/>
+      <p:bldP spid="14" grpId="0" animBg="1"/>
     </p:bldLst>
   </p:timing>
 </p:sld>
@@ -7080,7 +7179,7 @@
   <p:timing>
     <p:tnLst>
       <p:par>
-        <p:cTn id="1" dur="indefinite" restart="never" nodeType="tmRoot"/>
+        <p:cTn xmlns:p14="http://schemas.microsoft.com/office/powerpoint/2010/main" id="1" dur="indefinite" restart="never" nodeType="tmRoot"/>
       </p:par>
     </p:tnLst>
   </p:timing>
@@ -7386,7 +7485,7 @@
   <p:timing>
     <p:tnLst>
       <p:par>
-        <p:cTn id="1" dur="indefinite" restart="never" nodeType="tmRoot"/>
+        <p:cTn xmlns:p14="http://schemas.microsoft.com/office/powerpoint/2010/main" id="1" dur="indefinite" restart="never" nodeType="tmRoot"/>
       </p:par>
     </p:tnLst>
   </p:timing>
@@ -7692,7 +7791,7 @@
   <p:timing>
     <p:tnLst>
       <p:par>
-        <p:cTn id="1" dur="indefinite" restart="never" nodeType="tmRoot"/>
+        <p:cTn xmlns:p14="http://schemas.microsoft.com/office/powerpoint/2010/main" id="1" dur="indefinite" restart="never" nodeType="tmRoot"/>
       </p:par>
     </p:tnLst>
   </p:timing>
@@ -7771,7 +7870,7 @@
   <p:timing>
     <p:tnLst>
       <p:par>
-        <p:cTn id="1" dur="indefinite" restart="never" nodeType="tmRoot"/>
+        <p:cTn xmlns:p14="http://schemas.microsoft.com/office/powerpoint/2010/main" id="1" dur="indefinite" restart="never" nodeType="tmRoot"/>
       </p:par>
     </p:tnLst>
   </p:timing>
@@ -7924,13 +8023,13 @@
       <p:transition spd="slow" p14:dur="2000"/>
     </mc:Choice>
     <mc:Fallback>
-      <p:transition spd="slow"/>
+      <p:transition xmlns:p14="http://schemas.microsoft.com/office/powerpoint/2010/main" spd="slow"/>
     </mc:Fallback>
   </mc:AlternateContent>
   <p:timing>
     <p:tnLst>
       <p:par>
-        <p:cTn id="1" dur="indefinite" restart="never" nodeType="tmRoot"/>
+        <p:cTn xmlns:p14="http://schemas.microsoft.com/office/powerpoint/2010/main" id="1" dur="indefinite" restart="never" nodeType="tmRoot"/>
       </p:par>
     </p:tnLst>
   </p:timing>
@@ -8025,13 +8124,13 @@
       <p:transition spd="slow" p14:dur="2000"/>
     </mc:Choice>
     <mc:Fallback>
-      <p:transition spd="slow"/>
+      <p:transition xmlns:p14="http://schemas.microsoft.com/office/powerpoint/2010/main" spd="slow"/>
     </mc:Fallback>
   </mc:AlternateContent>
   <p:timing>
     <p:tnLst>
       <p:par>
-        <p:cTn id="1" dur="indefinite" restart="never" nodeType="tmRoot">
+        <p:cTn xmlns:p14="http://schemas.microsoft.com/office/powerpoint/2010/main" id="1" dur="indefinite" restart="never" nodeType="tmRoot">
           <p:childTnLst>
             <p:seq concurrent="1" nextAc="seek">
               <p:cTn id="2" dur="indefinite" nodeType="mainSeq">
@@ -8140,7 +8239,7 @@
         <p:spPr/>
         <p:txBody>
           <a:bodyPr>
-            <a:normAutofit fontScale="90000"/>
+            <a:normAutofit/>
           </a:bodyPr>
           <a:lstStyle/>
           <a:p>
@@ -8255,13 +8354,13 @@
       <p:transition spd="slow" p14:dur="2000"/>
     </mc:Choice>
     <mc:Fallback>
-      <p:transition spd="slow"/>
+      <p:transition xmlns:p14="http://schemas.microsoft.com/office/powerpoint/2010/main" spd="slow"/>
     </mc:Fallback>
   </mc:AlternateContent>
   <p:timing>
     <p:tnLst>
       <p:par>
-        <p:cTn id="1" dur="indefinite" restart="never" nodeType="tmRoot">
+        <p:cTn xmlns:p14="http://schemas.microsoft.com/office/powerpoint/2010/main" id="1" dur="indefinite" restart="never" nodeType="tmRoot">
           <p:childTnLst>
             <p:seq concurrent="1" nextAc="seek">
               <p:cTn id="2" dur="indefinite" nodeType="mainSeq">
@@ -8615,13 +8714,13 @@
       <p:transition spd="slow" p14:dur="2000"/>
     </mc:Choice>
     <mc:Fallback>
-      <p:transition spd="slow"/>
+      <p:transition xmlns:p14="http://schemas.microsoft.com/office/powerpoint/2010/main" spd="slow"/>
     </mc:Fallback>
   </mc:AlternateContent>
   <p:timing>
     <p:tnLst>
       <p:par>
-        <p:cTn id="1" dur="indefinite" restart="never" nodeType="tmRoot"/>
+        <p:cTn xmlns:p14="http://schemas.microsoft.com/office/powerpoint/2010/main" id="1" dur="indefinite" restart="never" nodeType="tmRoot"/>
       </p:par>
     </p:tnLst>
   </p:timing>
@@ -8770,13 +8869,13 @@
       <p:transition spd="slow" p14:dur="2000"/>
     </mc:Choice>
     <mc:Fallback>
-      <p:transition spd="slow"/>
+      <p:transition xmlns:p14="http://schemas.microsoft.com/office/powerpoint/2010/main" spd="slow"/>
     </mc:Fallback>
   </mc:AlternateContent>
   <p:timing>
     <p:tnLst>
       <p:par>
-        <p:cTn id="1" dur="indefinite" restart="never" nodeType="tmRoot"/>
+        <p:cTn xmlns:p14="http://schemas.microsoft.com/office/powerpoint/2010/main" id="1" dur="indefinite" restart="never" nodeType="tmRoot"/>
       </p:par>
     </p:tnLst>
   </p:timing>
@@ -8899,13 +8998,13 @@
       <p:transition spd="slow" p14:dur="2000"/>
     </mc:Choice>
     <mc:Fallback>
-      <p:transition spd="slow"/>
+      <p:transition xmlns:p14="http://schemas.microsoft.com/office/powerpoint/2010/main" spd="slow"/>
     </mc:Fallback>
   </mc:AlternateContent>
   <p:timing>
     <p:tnLst>
       <p:par>
-        <p:cTn id="1" dur="indefinite" restart="never" nodeType="tmRoot"/>
+        <p:cTn xmlns:p14="http://schemas.microsoft.com/office/powerpoint/2010/main" id="1" dur="indefinite" restart="never" nodeType="tmRoot"/>
       </p:par>
     </p:tnLst>
   </p:timing>
@@ -8998,7 +9097,7 @@
   <p:timing>
     <p:tnLst>
       <p:par>
-        <p:cTn id="1" dur="indefinite" restart="never" nodeType="tmRoot">
+        <p:cTn xmlns:p14="http://schemas.microsoft.com/office/powerpoint/2010/main" id="1" dur="indefinite" restart="never" nodeType="tmRoot">
           <p:childTnLst>
             <p:seq concurrent="1" nextAc="seek">
               <p:cTn id="2" dur="indefinite" nodeType="mainSeq">
@@ -9177,7 +9276,7 @@
   <p:timing>
     <p:tnLst>
       <p:par>
-        <p:cTn id="1" dur="indefinite" restart="never" nodeType="tmRoot"/>
+        <p:cTn xmlns:p14="http://schemas.microsoft.com/office/powerpoint/2010/main" id="1" dur="indefinite" restart="never" nodeType="tmRoot"/>
       </p:par>
     </p:tnLst>
   </p:timing>
@@ -9439,7 +9538,7 @@
   <a:extraClrSchemeLst/>
   <a:extLst>
     <a:ext uri="{05A4C25C-085E-4340-85A3-A5531E510DB2}">
-      <thm15:themeFamily xmlns:thm15="http://schemas.microsoft.com/office/thememl/2012/main" name="Office Theme" id="{62F939B6-93AF-4DB8-9C6B-D6C7DFDC589F}" vid="{4A3C46E8-61CC-4603-A589-7422A47A8E4A}"/>
+      <thm15:themeFamily xmlns:thm15="http://schemas.microsoft.com/office/thememl/2012/main" xmlns="" name="Office Theme" id="{62F939B6-93AF-4DB8-9C6B-D6C7DFDC589F}" vid="{4A3C46E8-61CC-4603-A589-7422A47A8E4A}"/>
     </a:ext>
   </a:extLst>
 </a:theme>
@@ -9700,7 +9799,7 @@
   <a:extraClrSchemeLst/>
   <a:extLst>
     <a:ext uri="{05A4C25C-085E-4340-85A3-A5531E510DB2}">
-      <thm15:themeFamily xmlns:thm15="http://schemas.microsoft.com/office/thememl/2012/main" name="Office Theme" id="{62F939B6-93AF-4DB8-9C6B-D6C7DFDC589F}" vid="{4A3C46E8-61CC-4603-A589-7422A47A8E4A}"/>
+      <thm15:themeFamily xmlns:thm15="http://schemas.microsoft.com/office/thememl/2012/main" xmlns="" name="Office Theme" id="{62F939B6-93AF-4DB8-9C6B-D6C7DFDC589F}" vid="{4A3C46E8-61CC-4603-A589-7422A47A8E4A}"/>
     </a:ext>
   </a:extLst>
 </a:theme>
